--- a/slides.pptx
+++ b/slides.pptx
@@ -3,23 +3,24 @@
 <p:presentation xmlns:a="http://schemas.openxmlformats.org/drawingml/2006/main" xmlns:p="http://schemas.openxmlformats.org/presentationml/2006/main" xmlns:r="http://schemas.openxmlformats.org/officeDocument/2006/relationships">
   <p:sldMasterIdLst>
     <p:sldMasterId id="2147483648" r:id="rId2"/>
+    <p:sldMasterId id="2147483661" r:id="rId3"/>
   </p:sldMasterIdLst>
   <p:sldIdLst>
-    <p:sldId id="256" r:id="rId3"/>
-    <p:sldId id="257" r:id="rId4"/>
-    <p:sldId id="258" r:id="rId5"/>
-    <p:sldId id="259" r:id="rId6"/>
-    <p:sldId id="260" r:id="rId7"/>
-    <p:sldId id="261" r:id="rId8"/>
-    <p:sldId id="262" r:id="rId9"/>
-    <p:sldId id="263" r:id="rId10"/>
-    <p:sldId id="264" r:id="rId11"/>
-    <p:sldId id="265" r:id="rId12"/>
-    <p:sldId id="266" r:id="rId13"/>
-    <p:sldId id="267" r:id="rId14"/>
-    <p:sldId id="268" r:id="rId15"/>
-    <p:sldId id="269" r:id="rId16"/>
-    <p:sldId id="270" r:id="rId17"/>
+    <p:sldId id="256" r:id="rId4"/>
+    <p:sldId id="257" r:id="rId5"/>
+    <p:sldId id="258" r:id="rId6"/>
+    <p:sldId id="259" r:id="rId7"/>
+    <p:sldId id="260" r:id="rId8"/>
+    <p:sldId id="261" r:id="rId9"/>
+    <p:sldId id="262" r:id="rId10"/>
+    <p:sldId id="263" r:id="rId11"/>
+    <p:sldId id="264" r:id="rId12"/>
+    <p:sldId id="265" r:id="rId13"/>
+    <p:sldId id="266" r:id="rId14"/>
+    <p:sldId id="267" r:id="rId15"/>
+    <p:sldId id="268" r:id="rId16"/>
+    <p:sldId id="269" r:id="rId17"/>
+    <p:sldId id="270" r:id="rId18"/>
   </p:sldIdLst>
   <p:sldSz cx="10080625" cy="7559675"/>
   <p:notesSz cx="7772400" cy="10058400"/>
@@ -67,7 +68,7 @@
       </p:grpSpPr>
       <p:sp>
         <p:nvSpPr>
-          <p:cNvPr id="26" name="PlaceHolder 1"/>
+          <p:cNvPr id="24" name="PlaceHolder 1"/>
           <p:cNvSpPr>
             <a:spLocks noGrp="1"/>
           </p:cNvSpPr>
@@ -78,7 +79,7 @@
         <p:spPr>
           <a:xfrm>
             <a:off x="504000" y="301320"/>
-            <a:ext cx="9071640" cy="1262160"/>
+            <a:ext cx="9071280" cy="1261800"/>
           </a:xfrm>
           <a:prstGeom prst="rect">
             <a:avLst/>
@@ -94,7 +95,7 @@
       </p:sp>
       <p:sp>
         <p:nvSpPr>
-          <p:cNvPr id="27" name="PlaceHolder 2"/>
+          <p:cNvPr id="25" name="PlaceHolder 2"/>
           <p:cNvSpPr>
             <a:spLocks noGrp="1"/>
           </p:cNvSpPr>
@@ -105,7 +106,7 @@
         <p:spPr>
           <a:xfrm>
             <a:off x="504000" y="1769040"/>
-            <a:ext cx="9071640" cy="2091240"/>
+            <a:ext cx="9071280" cy="2090880"/>
           </a:xfrm>
           <a:prstGeom prst="rect">
             <a:avLst/>
@@ -120,7 +121,7 @@
       </p:sp>
       <p:sp>
         <p:nvSpPr>
-          <p:cNvPr id="28" name="PlaceHolder 3"/>
+          <p:cNvPr id="26" name="PlaceHolder 3"/>
           <p:cNvSpPr>
             <a:spLocks noGrp="1"/>
           </p:cNvSpPr>
@@ -130,8 +131,8 @@
         </p:nvSpPr>
         <p:spPr>
           <a:xfrm>
-            <a:off x="504000" y="4059360"/>
-            <a:ext cx="9071640" cy="2091240"/>
+            <a:off x="504000" y="4059000"/>
+            <a:ext cx="9071280" cy="2090880"/>
           </a:xfrm>
           <a:prstGeom prst="rect">
             <a:avLst/>
@@ -168,7 +169,7 @@
       </p:grpSpPr>
       <p:sp>
         <p:nvSpPr>
-          <p:cNvPr id="29" name="PlaceHolder 1"/>
+          <p:cNvPr id="27" name="PlaceHolder 1"/>
           <p:cNvSpPr>
             <a:spLocks noGrp="1"/>
           </p:cNvSpPr>
@@ -179,7 +180,7 @@
         <p:spPr>
           <a:xfrm>
             <a:off x="504000" y="301320"/>
-            <a:ext cx="9071640" cy="1262160"/>
+            <a:ext cx="9071280" cy="1261800"/>
           </a:xfrm>
           <a:prstGeom prst="rect">
             <a:avLst/>
@@ -195,7 +196,7 @@
       </p:sp>
       <p:sp>
         <p:nvSpPr>
-          <p:cNvPr id="30" name="PlaceHolder 2"/>
+          <p:cNvPr id="28" name="PlaceHolder 2"/>
           <p:cNvSpPr>
             <a:spLocks noGrp="1"/>
           </p:cNvSpPr>
@@ -206,7 +207,7 @@
         <p:spPr>
           <a:xfrm>
             <a:off x="504000" y="1769040"/>
-            <a:ext cx="4426920" cy="2091240"/>
+            <a:ext cx="4426560" cy="2090880"/>
           </a:xfrm>
           <a:prstGeom prst="rect">
             <a:avLst/>
@@ -221,7 +222,7 @@
       </p:sp>
       <p:sp>
         <p:nvSpPr>
-          <p:cNvPr id="31" name="PlaceHolder 3"/>
+          <p:cNvPr id="29" name="PlaceHolder 3"/>
           <p:cNvSpPr>
             <a:spLocks noGrp="1"/>
           </p:cNvSpPr>
@@ -231,8 +232,8 @@
         </p:nvSpPr>
         <p:spPr>
           <a:xfrm>
-            <a:off x="5152680" y="1769040"/>
-            <a:ext cx="4426920" cy="2091240"/>
+            <a:off x="5152320" y="1769040"/>
+            <a:ext cx="4426560" cy="2090880"/>
           </a:xfrm>
           <a:prstGeom prst="rect">
             <a:avLst/>
@@ -247,7 +248,7 @@
       </p:sp>
       <p:sp>
         <p:nvSpPr>
-          <p:cNvPr id="32" name="PlaceHolder 4"/>
+          <p:cNvPr id="30" name="PlaceHolder 4"/>
           <p:cNvSpPr>
             <a:spLocks noGrp="1"/>
           </p:cNvSpPr>
@@ -257,8 +258,8 @@
         </p:nvSpPr>
         <p:spPr>
           <a:xfrm>
-            <a:off x="5152680" y="4059360"/>
-            <a:ext cx="4426920" cy="2091240"/>
+            <a:off x="5152320" y="4059000"/>
+            <a:ext cx="4426560" cy="2090880"/>
           </a:xfrm>
           <a:prstGeom prst="rect">
             <a:avLst/>
@@ -273,7 +274,7 @@
       </p:sp>
       <p:sp>
         <p:nvSpPr>
-          <p:cNvPr id="33" name="PlaceHolder 5"/>
+          <p:cNvPr id="31" name="PlaceHolder 5"/>
           <p:cNvSpPr>
             <a:spLocks noGrp="1"/>
           </p:cNvSpPr>
@@ -283,8 +284,8 @@
         </p:nvSpPr>
         <p:spPr>
           <a:xfrm>
-            <a:off x="504000" y="4059360"/>
-            <a:ext cx="4426920" cy="2091240"/>
+            <a:off x="504000" y="4059000"/>
+            <a:ext cx="4426560" cy="2090880"/>
           </a:xfrm>
           <a:prstGeom prst="rect">
             <a:avLst/>
@@ -321,7 +322,7 @@
       </p:grpSpPr>
       <p:sp>
         <p:nvSpPr>
-          <p:cNvPr id="34" name="PlaceHolder 1"/>
+          <p:cNvPr id="32" name="PlaceHolder 1"/>
           <p:cNvSpPr>
             <a:spLocks noGrp="1"/>
           </p:cNvSpPr>
@@ -332,7 +333,7 @@
         <p:spPr>
           <a:xfrm>
             <a:off x="504000" y="301320"/>
-            <a:ext cx="9071640" cy="1262160"/>
+            <a:ext cx="9071280" cy="1261800"/>
           </a:xfrm>
           <a:prstGeom prst="rect">
             <a:avLst/>
@@ -348,7 +349,7 @@
       </p:sp>
       <p:sp>
         <p:nvSpPr>
-          <p:cNvPr id="35" name="PlaceHolder 2"/>
+          <p:cNvPr id="33" name="PlaceHolder 2"/>
           <p:cNvSpPr>
             <a:spLocks noGrp="1"/>
           </p:cNvSpPr>
@@ -359,7 +360,7 @@
         <p:spPr>
           <a:xfrm>
             <a:off x="504000" y="1769040"/>
-            <a:ext cx="9071640" cy="4384440"/>
+            <a:ext cx="9071280" cy="4384080"/>
           </a:xfrm>
           <a:prstGeom prst="rect">
             <a:avLst/>
@@ -374,7 +375,7 @@
       </p:sp>
       <p:sp>
         <p:nvSpPr>
-          <p:cNvPr id="36" name="PlaceHolder 3"/>
+          <p:cNvPr id="34" name="PlaceHolder 3"/>
           <p:cNvSpPr>
             <a:spLocks noGrp="1"/>
           </p:cNvSpPr>
@@ -385,7 +386,7 @@
         <p:spPr>
           <a:xfrm>
             <a:off x="504000" y="1769040"/>
-            <a:ext cx="9071640" cy="4384440"/>
+            <a:ext cx="9071280" cy="4384080"/>
           </a:xfrm>
           <a:prstGeom prst="rect">
             <a:avLst/>
@@ -400,7 +401,7 @@
       </p:sp>
       <p:pic>
         <p:nvPicPr>
-          <p:cNvPr id="37" name="" descr=""/>
+          <p:cNvPr id="35" name="" descr=""/>
           <p:cNvPicPr/>
           <p:nvPr/>
         </p:nvPicPr>
@@ -410,8 +411,8 @@
         </p:blipFill>
         <p:spPr>
           <a:xfrm>
-            <a:off x="2292120" y="1768680"/>
-            <a:ext cx="5495040" cy="4384440"/>
+            <a:off x="2292120" y="1769040"/>
+            <a:ext cx="5494680" cy="4384080"/>
           </a:xfrm>
           <a:prstGeom prst="rect">
             <a:avLst/>
@@ -423,7 +424,7 @@
       </p:pic>
       <p:pic>
         <p:nvPicPr>
-          <p:cNvPr id="38" name="" descr=""/>
+          <p:cNvPr id="36" name="" descr=""/>
           <p:cNvPicPr/>
           <p:nvPr/>
         </p:nvPicPr>
@@ -433,8 +434,8 @@
         </p:blipFill>
         <p:spPr>
           <a:xfrm>
-            <a:off x="2292120" y="1768680"/>
-            <a:ext cx="5495040" cy="4384440"/>
+            <a:off x="2292120" y="1769040"/>
+            <a:ext cx="5494680" cy="4384080"/>
           </a:xfrm>
           <a:prstGeom prst="rect">
             <a:avLst/>
@@ -444,6 +445,505 @@
           </a:ln>
         </p:spPr>
       </p:pic>
+    </p:spTree>
+  </p:cSld>
+</p:sldLayout>
+</file>
+
+<file path=ppt/slideLayouts/slideLayout13.xml><?xml version="1.0" encoding="utf-8"?>
+<p:sldLayout xmlns:a="http://schemas.openxmlformats.org/drawingml/2006/main" xmlns:p="http://schemas.openxmlformats.org/presentationml/2006/main" xmlns:r="http://schemas.openxmlformats.org/officeDocument/2006/relationships" type="blank" preserve="1">
+  <p:cSld name="Blank Slide">
+    <p:spTree>
+      <p:nvGrpSpPr>
+        <p:cNvPr id="1" name=""/>
+        <p:cNvGrpSpPr/>
+        <p:nvPr/>
+      </p:nvGrpSpPr>
+      <p:grpSpPr>
+        <a:xfrm>
+          <a:off x="0" y="0"/>
+          <a:ext cx="0" cy="0"/>
+          <a:chOff x="0" y="0"/>
+          <a:chExt cx="0" cy="0"/>
+        </a:xfrm>
+      </p:grpSpPr>
+    </p:spTree>
+  </p:cSld>
+</p:sldLayout>
+</file>
+
+<file path=ppt/slideLayouts/slideLayout14.xml><?xml version="1.0" encoding="utf-8"?>
+<p:sldLayout xmlns:a="http://schemas.openxmlformats.org/drawingml/2006/main" xmlns:p="http://schemas.openxmlformats.org/presentationml/2006/main" xmlns:r="http://schemas.openxmlformats.org/officeDocument/2006/relationships" type="tx" preserve="1">
+  <p:cSld name="Title Slide">
+    <p:spTree>
+      <p:nvGrpSpPr>
+        <p:cNvPr id="1" name=""/>
+        <p:cNvGrpSpPr/>
+        <p:nvPr/>
+      </p:nvGrpSpPr>
+      <p:grpSpPr>
+        <a:xfrm>
+          <a:off x="0" y="0"/>
+          <a:ext cx="0" cy="0"/>
+          <a:chOff x="0" y="0"/>
+          <a:chExt cx="0" cy="0"/>
+        </a:xfrm>
+      </p:grpSpPr>
+      <p:sp>
+        <p:nvSpPr>
+          <p:cNvPr id="39" name="PlaceHolder 1"/>
+          <p:cNvSpPr>
+            <a:spLocks noGrp="1"/>
+          </p:cNvSpPr>
+          <p:nvPr>
+            <p:ph type="title"/>
+          </p:nvPr>
+        </p:nvSpPr>
+        <p:spPr>
+          <a:xfrm>
+            <a:off x="504000" y="301320"/>
+            <a:ext cx="9071280" cy="1261800"/>
+          </a:xfrm>
+          <a:prstGeom prst="rect">
+            <a:avLst/>
+          </a:prstGeom>
+        </p:spPr>
+        <p:txBody>
+          <a:bodyPr lIns="0" rIns="0" tIns="0" bIns="0" anchor="ctr"/>
+          <a:p>
+            <a:pPr algn="ctr"/>
+            <a:endParaRPr/>
+          </a:p>
+        </p:txBody>
+      </p:sp>
+      <p:sp>
+        <p:nvSpPr>
+          <p:cNvPr id="40" name="PlaceHolder 2"/>
+          <p:cNvSpPr>
+            <a:spLocks noGrp="1"/>
+          </p:cNvSpPr>
+          <p:nvPr>
+            <p:ph type="subTitle"/>
+          </p:nvPr>
+        </p:nvSpPr>
+        <p:spPr>
+          <a:xfrm>
+            <a:off x="504000" y="1769040"/>
+            <a:ext cx="9071280" cy="4384080"/>
+          </a:xfrm>
+          <a:prstGeom prst="rect">
+            <a:avLst/>
+          </a:prstGeom>
+        </p:spPr>
+        <p:txBody>
+          <a:bodyPr lIns="0" rIns="0" tIns="0" bIns="0" anchor="ctr"/>
+          <a:p>
+            <a:pPr algn="ctr"/>
+            <a:endParaRPr/>
+          </a:p>
+        </p:txBody>
+      </p:sp>
+    </p:spTree>
+  </p:cSld>
+</p:sldLayout>
+</file>
+
+<file path=ppt/slideLayouts/slideLayout15.xml><?xml version="1.0" encoding="utf-8"?>
+<p:sldLayout xmlns:a="http://schemas.openxmlformats.org/drawingml/2006/main" xmlns:p="http://schemas.openxmlformats.org/presentationml/2006/main" xmlns:r="http://schemas.openxmlformats.org/officeDocument/2006/relationships" type="obj" preserve="1">
+  <p:cSld name="Title, Content">
+    <p:spTree>
+      <p:nvGrpSpPr>
+        <p:cNvPr id="1" name=""/>
+        <p:cNvGrpSpPr/>
+        <p:nvPr/>
+      </p:nvGrpSpPr>
+      <p:grpSpPr>
+        <a:xfrm>
+          <a:off x="0" y="0"/>
+          <a:ext cx="0" cy="0"/>
+          <a:chOff x="0" y="0"/>
+          <a:chExt cx="0" cy="0"/>
+        </a:xfrm>
+      </p:grpSpPr>
+      <p:sp>
+        <p:nvSpPr>
+          <p:cNvPr id="41" name="PlaceHolder 1"/>
+          <p:cNvSpPr>
+            <a:spLocks noGrp="1"/>
+          </p:cNvSpPr>
+          <p:nvPr>
+            <p:ph type="title"/>
+          </p:nvPr>
+        </p:nvSpPr>
+        <p:spPr>
+          <a:xfrm>
+            <a:off x="504000" y="301320"/>
+            <a:ext cx="9071280" cy="1261800"/>
+          </a:xfrm>
+          <a:prstGeom prst="rect">
+            <a:avLst/>
+          </a:prstGeom>
+        </p:spPr>
+        <p:txBody>
+          <a:bodyPr lIns="0" rIns="0" tIns="0" bIns="0" anchor="ctr"/>
+          <a:p>
+            <a:pPr algn="ctr"/>
+            <a:endParaRPr/>
+          </a:p>
+        </p:txBody>
+      </p:sp>
+      <p:sp>
+        <p:nvSpPr>
+          <p:cNvPr id="42" name="PlaceHolder 2"/>
+          <p:cNvSpPr>
+            <a:spLocks noGrp="1"/>
+          </p:cNvSpPr>
+          <p:nvPr>
+            <p:ph type="body"/>
+          </p:nvPr>
+        </p:nvSpPr>
+        <p:spPr>
+          <a:xfrm>
+            <a:off x="504000" y="1769040"/>
+            <a:ext cx="9071280" cy="4384080"/>
+          </a:xfrm>
+          <a:prstGeom prst="rect">
+            <a:avLst/>
+          </a:prstGeom>
+        </p:spPr>
+        <p:txBody>
+          <a:bodyPr lIns="0" rIns="0" tIns="0" bIns="0"/>
+          <a:p>
+            <a:endParaRPr/>
+          </a:p>
+        </p:txBody>
+      </p:sp>
+    </p:spTree>
+  </p:cSld>
+</p:sldLayout>
+</file>
+
+<file path=ppt/slideLayouts/slideLayout16.xml><?xml version="1.0" encoding="utf-8"?>
+<p:sldLayout xmlns:a="http://schemas.openxmlformats.org/drawingml/2006/main" xmlns:p="http://schemas.openxmlformats.org/presentationml/2006/main" xmlns:r="http://schemas.openxmlformats.org/officeDocument/2006/relationships" type="twoObj" preserve="1">
+  <p:cSld name="Title, 2 Content">
+    <p:spTree>
+      <p:nvGrpSpPr>
+        <p:cNvPr id="1" name=""/>
+        <p:cNvGrpSpPr/>
+        <p:nvPr/>
+      </p:nvGrpSpPr>
+      <p:grpSpPr>
+        <a:xfrm>
+          <a:off x="0" y="0"/>
+          <a:ext cx="0" cy="0"/>
+          <a:chOff x="0" y="0"/>
+          <a:chExt cx="0" cy="0"/>
+        </a:xfrm>
+      </p:grpSpPr>
+      <p:sp>
+        <p:nvSpPr>
+          <p:cNvPr id="43" name="PlaceHolder 1"/>
+          <p:cNvSpPr>
+            <a:spLocks noGrp="1"/>
+          </p:cNvSpPr>
+          <p:nvPr>
+            <p:ph type="title"/>
+          </p:nvPr>
+        </p:nvSpPr>
+        <p:spPr>
+          <a:xfrm>
+            <a:off x="504000" y="301320"/>
+            <a:ext cx="9071280" cy="1261800"/>
+          </a:xfrm>
+          <a:prstGeom prst="rect">
+            <a:avLst/>
+          </a:prstGeom>
+        </p:spPr>
+        <p:txBody>
+          <a:bodyPr lIns="0" rIns="0" tIns="0" bIns="0" anchor="ctr"/>
+          <a:p>
+            <a:pPr algn="ctr"/>
+            <a:endParaRPr/>
+          </a:p>
+        </p:txBody>
+      </p:sp>
+      <p:sp>
+        <p:nvSpPr>
+          <p:cNvPr id="44" name="PlaceHolder 2"/>
+          <p:cNvSpPr>
+            <a:spLocks noGrp="1"/>
+          </p:cNvSpPr>
+          <p:nvPr>
+            <p:ph type="body"/>
+          </p:nvPr>
+        </p:nvSpPr>
+        <p:spPr>
+          <a:xfrm>
+            <a:off x="504000" y="1769040"/>
+            <a:ext cx="4426560" cy="4384080"/>
+          </a:xfrm>
+          <a:prstGeom prst="rect">
+            <a:avLst/>
+          </a:prstGeom>
+        </p:spPr>
+        <p:txBody>
+          <a:bodyPr lIns="0" rIns="0" tIns="0" bIns="0"/>
+          <a:p>
+            <a:endParaRPr/>
+          </a:p>
+        </p:txBody>
+      </p:sp>
+      <p:sp>
+        <p:nvSpPr>
+          <p:cNvPr id="45" name="PlaceHolder 3"/>
+          <p:cNvSpPr>
+            <a:spLocks noGrp="1"/>
+          </p:cNvSpPr>
+          <p:nvPr>
+            <p:ph type="body"/>
+          </p:nvPr>
+        </p:nvSpPr>
+        <p:spPr>
+          <a:xfrm>
+            <a:off x="5152320" y="1769040"/>
+            <a:ext cx="4426560" cy="4384080"/>
+          </a:xfrm>
+          <a:prstGeom prst="rect">
+            <a:avLst/>
+          </a:prstGeom>
+        </p:spPr>
+        <p:txBody>
+          <a:bodyPr lIns="0" rIns="0" tIns="0" bIns="0"/>
+          <a:p>
+            <a:endParaRPr/>
+          </a:p>
+        </p:txBody>
+      </p:sp>
+    </p:spTree>
+  </p:cSld>
+</p:sldLayout>
+</file>
+
+<file path=ppt/slideLayouts/slideLayout17.xml><?xml version="1.0" encoding="utf-8"?>
+<p:sldLayout xmlns:a="http://schemas.openxmlformats.org/drawingml/2006/main" xmlns:p="http://schemas.openxmlformats.org/presentationml/2006/main" xmlns:r="http://schemas.openxmlformats.org/officeDocument/2006/relationships" type="titleOnly" preserve="1">
+  <p:cSld name="Title Only">
+    <p:spTree>
+      <p:nvGrpSpPr>
+        <p:cNvPr id="1" name=""/>
+        <p:cNvGrpSpPr/>
+        <p:nvPr/>
+      </p:nvGrpSpPr>
+      <p:grpSpPr>
+        <a:xfrm>
+          <a:off x="0" y="0"/>
+          <a:ext cx="0" cy="0"/>
+          <a:chOff x="0" y="0"/>
+          <a:chExt cx="0" cy="0"/>
+        </a:xfrm>
+      </p:grpSpPr>
+      <p:sp>
+        <p:nvSpPr>
+          <p:cNvPr id="46" name="PlaceHolder 1"/>
+          <p:cNvSpPr>
+            <a:spLocks noGrp="1"/>
+          </p:cNvSpPr>
+          <p:nvPr>
+            <p:ph type="title"/>
+          </p:nvPr>
+        </p:nvSpPr>
+        <p:spPr>
+          <a:xfrm>
+            <a:off x="504000" y="301320"/>
+            <a:ext cx="9071280" cy="1261800"/>
+          </a:xfrm>
+          <a:prstGeom prst="rect">
+            <a:avLst/>
+          </a:prstGeom>
+        </p:spPr>
+        <p:txBody>
+          <a:bodyPr lIns="0" rIns="0" tIns="0" bIns="0" anchor="ctr"/>
+          <a:p>
+            <a:pPr algn="ctr"/>
+            <a:endParaRPr/>
+          </a:p>
+        </p:txBody>
+      </p:sp>
+    </p:spTree>
+  </p:cSld>
+</p:sldLayout>
+</file>
+
+<file path=ppt/slideLayouts/slideLayout18.xml><?xml version="1.0" encoding="utf-8"?>
+<p:sldLayout xmlns:a="http://schemas.openxmlformats.org/drawingml/2006/main" xmlns:p="http://schemas.openxmlformats.org/presentationml/2006/main" xmlns:r="http://schemas.openxmlformats.org/officeDocument/2006/relationships" type="objOnly" preserve="1">
+  <p:cSld name="Centered Text">
+    <p:spTree>
+      <p:nvGrpSpPr>
+        <p:cNvPr id="1" name=""/>
+        <p:cNvGrpSpPr/>
+        <p:nvPr/>
+      </p:nvGrpSpPr>
+      <p:grpSpPr>
+        <a:xfrm>
+          <a:off x="0" y="0"/>
+          <a:ext cx="0" cy="0"/>
+          <a:chOff x="0" y="0"/>
+          <a:chExt cx="0" cy="0"/>
+        </a:xfrm>
+      </p:grpSpPr>
+      <p:sp>
+        <p:nvSpPr>
+          <p:cNvPr id="47" name="PlaceHolder 1"/>
+          <p:cNvSpPr>
+            <a:spLocks noGrp="1"/>
+          </p:cNvSpPr>
+          <p:nvPr>
+            <p:ph type="subTitle"/>
+          </p:nvPr>
+        </p:nvSpPr>
+        <p:spPr>
+          <a:xfrm>
+            <a:off x="504000" y="301320"/>
+            <a:ext cx="9071280" cy="5850360"/>
+          </a:xfrm>
+          <a:prstGeom prst="rect">
+            <a:avLst/>
+          </a:prstGeom>
+        </p:spPr>
+        <p:txBody>
+          <a:bodyPr lIns="0" rIns="0" tIns="0" bIns="0" anchor="ctr"/>
+          <a:p>
+            <a:pPr algn="ctr"/>
+            <a:endParaRPr/>
+          </a:p>
+        </p:txBody>
+      </p:sp>
+    </p:spTree>
+  </p:cSld>
+</p:sldLayout>
+</file>
+
+<file path=ppt/slideLayouts/slideLayout19.xml><?xml version="1.0" encoding="utf-8"?>
+<p:sldLayout xmlns:a="http://schemas.openxmlformats.org/drawingml/2006/main" xmlns:p="http://schemas.openxmlformats.org/presentationml/2006/main" xmlns:r="http://schemas.openxmlformats.org/officeDocument/2006/relationships" type="twoObjAndObj" preserve="1">
+  <p:cSld name="Title, 2 Content and Content">
+    <p:spTree>
+      <p:nvGrpSpPr>
+        <p:cNvPr id="1" name=""/>
+        <p:cNvGrpSpPr/>
+        <p:nvPr/>
+      </p:nvGrpSpPr>
+      <p:grpSpPr>
+        <a:xfrm>
+          <a:off x="0" y="0"/>
+          <a:ext cx="0" cy="0"/>
+          <a:chOff x="0" y="0"/>
+          <a:chExt cx="0" cy="0"/>
+        </a:xfrm>
+      </p:grpSpPr>
+      <p:sp>
+        <p:nvSpPr>
+          <p:cNvPr id="48" name="PlaceHolder 1"/>
+          <p:cNvSpPr>
+            <a:spLocks noGrp="1"/>
+          </p:cNvSpPr>
+          <p:nvPr>
+            <p:ph type="title"/>
+          </p:nvPr>
+        </p:nvSpPr>
+        <p:spPr>
+          <a:xfrm>
+            <a:off x="504000" y="301320"/>
+            <a:ext cx="9071280" cy="1261800"/>
+          </a:xfrm>
+          <a:prstGeom prst="rect">
+            <a:avLst/>
+          </a:prstGeom>
+        </p:spPr>
+        <p:txBody>
+          <a:bodyPr lIns="0" rIns="0" tIns="0" bIns="0" anchor="ctr"/>
+          <a:p>
+            <a:pPr algn="ctr"/>
+            <a:endParaRPr/>
+          </a:p>
+        </p:txBody>
+      </p:sp>
+      <p:sp>
+        <p:nvSpPr>
+          <p:cNvPr id="49" name="PlaceHolder 2"/>
+          <p:cNvSpPr>
+            <a:spLocks noGrp="1"/>
+          </p:cNvSpPr>
+          <p:nvPr>
+            <p:ph type="body"/>
+          </p:nvPr>
+        </p:nvSpPr>
+        <p:spPr>
+          <a:xfrm>
+            <a:off x="504000" y="1769040"/>
+            <a:ext cx="4426560" cy="2090880"/>
+          </a:xfrm>
+          <a:prstGeom prst="rect">
+            <a:avLst/>
+          </a:prstGeom>
+        </p:spPr>
+        <p:txBody>
+          <a:bodyPr lIns="0" rIns="0" tIns="0" bIns="0"/>
+          <a:p>
+            <a:endParaRPr/>
+          </a:p>
+        </p:txBody>
+      </p:sp>
+      <p:sp>
+        <p:nvSpPr>
+          <p:cNvPr id="50" name="PlaceHolder 3"/>
+          <p:cNvSpPr>
+            <a:spLocks noGrp="1"/>
+          </p:cNvSpPr>
+          <p:nvPr>
+            <p:ph type="body"/>
+          </p:nvPr>
+        </p:nvSpPr>
+        <p:spPr>
+          <a:xfrm>
+            <a:off x="504000" y="4059000"/>
+            <a:ext cx="4426560" cy="2090880"/>
+          </a:xfrm>
+          <a:prstGeom prst="rect">
+            <a:avLst/>
+          </a:prstGeom>
+        </p:spPr>
+        <p:txBody>
+          <a:bodyPr lIns="0" rIns="0" tIns="0" bIns="0"/>
+          <a:p>
+            <a:endParaRPr/>
+          </a:p>
+        </p:txBody>
+      </p:sp>
+      <p:sp>
+        <p:nvSpPr>
+          <p:cNvPr id="51" name="PlaceHolder 4"/>
+          <p:cNvSpPr>
+            <a:spLocks noGrp="1"/>
+          </p:cNvSpPr>
+          <p:nvPr>
+            <p:ph type="body"/>
+          </p:nvPr>
+        </p:nvSpPr>
+        <p:spPr>
+          <a:xfrm>
+            <a:off x="5152320" y="1769040"/>
+            <a:ext cx="4426560" cy="4384080"/>
+          </a:xfrm>
+          <a:prstGeom prst="rect">
+            <a:avLst/>
+          </a:prstGeom>
+        </p:spPr>
+        <p:txBody>
+          <a:bodyPr lIns="0" rIns="0" tIns="0" bIns="0"/>
+          <a:p>
+            <a:endParaRPr/>
+          </a:p>
+        </p:txBody>
+      </p:sp>
     </p:spTree>
   </p:cSld>
 </p:sldLayout>
@@ -468,7 +968,7 @@
       </p:grpSpPr>
       <p:sp>
         <p:nvSpPr>
-          <p:cNvPr id="5" name="PlaceHolder 1"/>
+          <p:cNvPr id="3" name="PlaceHolder 1"/>
           <p:cNvSpPr>
             <a:spLocks noGrp="1"/>
           </p:cNvSpPr>
@@ -479,7 +979,7 @@
         <p:spPr>
           <a:xfrm>
             <a:off x="504000" y="301320"/>
-            <a:ext cx="9071640" cy="1262160"/>
+            <a:ext cx="9071280" cy="1261800"/>
           </a:xfrm>
           <a:prstGeom prst="rect">
             <a:avLst/>
@@ -495,7 +995,7 @@
       </p:sp>
       <p:sp>
         <p:nvSpPr>
-          <p:cNvPr id="6" name="PlaceHolder 2"/>
+          <p:cNvPr id="4" name="PlaceHolder 2"/>
           <p:cNvSpPr>
             <a:spLocks noGrp="1"/>
           </p:cNvSpPr>
@@ -506,7 +1006,7 @@
         <p:spPr>
           <a:xfrm>
             <a:off x="504000" y="1769040"/>
-            <a:ext cx="9071640" cy="4384440"/>
+            <a:ext cx="9071280" cy="4384080"/>
           </a:xfrm>
           <a:prstGeom prst="rect">
             <a:avLst/>
@@ -520,6 +1020,661 @@
           </a:p>
         </p:txBody>
       </p:sp>
+    </p:spTree>
+  </p:cSld>
+</p:sldLayout>
+</file>
+
+<file path=ppt/slideLayouts/slideLayout20.xml><?xml version="1.0" encoding="utf-8"?>
+<p:sldLayout xmlns:a="http://schemas.openxmlformats.org/drawingml/2006/main" xmlns:p="http://schemas.openxmlformats.org/presentationml/2006/main" xmlns:r="http://schemas.openxmlformats.org/officeDocument/2006/relationships" type="objAndTwoObj" preserve="1">
+  <p:cSld name="Title Content and 2 Content">
+    <p:spTree>
+      <p:nvGrpSpPr>
+        <p:cNvPr id="1" name=""/>
+        <p:cNvGrpSpPr/>
+        <p:nvPr/>
+      </p:nvGrpSpPr>
+      <p:grpSpPr>
+        <a:xfrm>
+          <a:off x="0" y="0"/>
+          <a:ext cx="0" cy="0"/>
+          <a:chOff x="0" y="0"/>
+          <a:chExt cx="0" cy="0"/>
+        </a:xfrm>
+      </p:grpSpPr>
+      <p:sp>
+        <p:nvSpPr>
+          <p:cNvPr id="52" name="PlaceHolder 1"/>
+          <p:cNvSpPr>
+            <a:spLocks noGrp="1"/>
+          </p:cNvSpPr>
+          <p:nvPr>
+            <p:ph type="title"/>
+          </p:nvPr>
+        </p:nvSpPr>
+        <p:spPr>
+          <a:xfrm>
+            <a:off x="504000" y="301320"/>
+            <a:ext cx="9071280" cy="1261800"/>
+          </a:xfrm>
+          <a:prstGeom prst="rect">
+            <a:avLst/>
+          </a:prstGeom>
+        </p:spPr>
+        <p:txBody>
+          <a:bodyPr lIns="0" rIns="0" tIns="0" bIns="0" anchor="ctr"/>
+          <a:p>
+            <a:pPr algn="ctr"/>
+            <a:endParaRPr/>
+          </a:p>
+        </p:txBody>
+      </p:sp>
+      <p:sp>
+        <p:nvSpPr>
+          <p:cNvPr id="53" name="PlaceHolder 2"/>
+          <p:cNvSpPr>
+            <a:spLocks noGrp="1"/>
+          </p:cNvSpPr>
+          <p:nvPr>
+            <p:ph type="body"/>
+          </p:nvPr>
+        </p:nvSpPr>
+        <p:spPr>
+          <a:xfrm>
+            <a:off x="504000" y="1769040"/>
+            <a:ext cx="4426560" cy="4384080"/>
+          </a:xfrm>
+          <a:prstGeom prst="rect">
+            <a:avLst/>
+          </a:prstGeom>
+        </p:spPr>
+        <p:txBody>
+          <a:bodyPr lIns="0" rIns="0" tIns="0" bIns="0"/>
+          <a:p>
+            <a:endParaRPr/>
+          </a:p>
+        </p:txBody>
+      </p:sp>
+      <p:sp>
+        <p:nvSpPr>
+          <p:cNvPr id="54" name="PlaceHolder 3"/>
+          <p:cNvSpPr>
+            <a:spLocks noGrp="1"/>
+          </p:cNvSpPr>
+          <p:nvPr>
+            <p:ph type="body"/>
+          </p:nvPr>
+        </p:nvSpPr>
+        <p:spPr>
+          <a:xfrm>
+            <a:off x="5152320" y="1769040"/>
+            <a:ext cx="4426560" cy="2090880"/>
+          </a:xfrm>
+          <a:prstGeom prst="rect">
+            <a:avLst/>
+          </a:prstGeom>
+        </p:spPr>
+        <p:txBody>
+          <a:bodyPr lIns="0" rIns="0" tIns="0" bIns="0"/>
+          <a:p>
+            <a:endParaRPr/>
+          </a:p>
+        </p:txBody>
+      </p:sp>
+      <p:sp>
+        <p:nvSpPr>
+          <p:cNvPr id="55" name="PlaceHolder 4"/>
+          <p:cNvSpPr>
+            <a:spLocks noGrp="1"/>
+          </p:cNvSpPr>
+          <p:nvPr>
+            <p:ph type="body"/>
+          </p:nvPr>
+        </p:nvSpPr>
+        <p:spPr>
+          <a:xfrm>
+            <a:off x="5152320" y="4059000"/>
+            <a:ext cx="4426560" cy="2090880"/>
+          </a:xfrm>
+          <a:prstGeom prst="rect">
+            <a:avLst/>
+          </a:prstGeom>
+        </p:spPr>
+        <p:txBody>
+          <a:bodyPr lIns="0" rIns="0" tIns="0" bIns="0"/>
+          <a:p>
+            <a:endParaRPr/>
+          </a:p>
+        </p:txBody>
+      </p:sp>
+    </p:spTree>
+  </p:cSld>
+</p:sldLayout>
+</file>
+
+<file path=ppt/slideLayouts/slideLayout21.xml><?xml version="1.0" encoding="utf-8"?>
+<p:sldLayout xmlns:a="http://schemas.openxmlformats.org/drawingml/2006/main" xmlns:p="http://schemas.openxmlformats.org/presentationml/2006/main" xmlns:r="http://schemas.openxmlformats.org/officeDocument/2006/relationships" type="twoObjOverTx" preserve="1">
+  <p:cSld name="Title, 2 Content over Content">
+    <p:spTree>
+      <p:nvGrpSpPr>
+        <p:cNvPr id="1" name=""/>
+        <p:cNvGrpSpPr/>
+        <p:nvPr/>
+      </p:nvGrpSpPr>
+      <p:grpSpPr>
+        <a:xfrm>
+          <a:off x="0" y="0"/>
+          <a:ext cx="0" cy="0"/>
+          <a:chOff x="0" y="0"/>
+          <a:chExt cx="0" cy="0"/>
+        </a:xfrm>
+      </p:grpSpPr>
+      <p:sp>
+        <p:nvSpPr>
+          <p:cNvPr id="56" name="PlaceHolder 1"/>
+          <p:cNvSpPr>
+            <a:spLocks noGrp="1"/>
+          </p:cNvSpPr>
+          <p:nvPr>
+            <p:ph type="title"/>
+          </p:nvPr>
+        </p:nvSpPr>
+        <p:spPr>
+          <a:xfrm>
+            <a:off x="504000" y="301320"/>
+            <a:ext cx="9071280" cy="1261800"/>
+          </a:xfrm>
+          <a:prstGeom prst="rect">
+            <a:avLst/>
+          </a:prstGeom>
+        </p:spPr>
+        <p:txBody>
+          <a:bodyPr lIns="0" rIns="0" tIns="0" bIns="0" anchor="ctr"/>
+          <a:p>
+            <a:pPr algn="ctr"/>
+            <a:endParaRPr/>
+          </a:p>
+        </p:txBody>
+      </p:sp>
+      <p:sp>
+        <p:nvSpPr>
+          <p:cNvPr id="57" name="PlaceHolder 2"/>
+          <p:cNvSpPr>
+            <a:spLocks noGrp="1"/>
+          </p:cNvSpPr>
+          <p:nvPr>
+            <p:ph type="body"/>
+          </p:nvPr>
+        </p:nvSpPr>
+        <p:spPr>
+          <a:xfrm>
+            <a:off x="504000" y="1769040"/>
+            <a:ext cx="4426560" cy="2090880"/>
+          </a:xfrm>
+          <a:prstGeom prst="rect">
+            <a:avLst/>
+          </a:prstGeom>
+        </p:spPr>
+        <p:txBody>
+          <a:bodyPr lIns="0" rIns="0" tIns="0" bIns="0"/>
+          <a:p>
+            <a:endParaRPr/>
+          </a:p>
+        </p:txBody>
+      </p:sp>
+      <p:sp>
+        <p:nvSpPr>
+          <p:cNvPr id="58" name="PlaceHolder 3"/>
+          <p:cNvSpPr>
+            <a:spLocks noGrp="1"/>
+          </p:cNvSpPr>
+          <p:nvPr>
+            <p:ph type="body"/>
+          </p:nvPr>
+        </p:nvSpPr>
+        <p:spPr>
+          <a:xfrm>
+            <a:off x="5152320" y="1769040"/>
+            <a:ext cx="4426560" cy="2090880"/>
+          </a:xfrm>
+          <a:prstGeom prst="rect">
+            <a:avLst/>
+          </a:prstGeom>
+        </p:spPr>
+        <p:txBody>
+          <a:bodyPr lIns="0" rIns="0" tIns="0" bIns="0"/>
+          <a:p>
+            <a:endParaRPr/>
+          </a:p>
+        </p:txBody>
+      </p:sp>
+      <p:sp>
+        <p:nvSpPr>
+          <p:cNvPr id="59" name="PlaceHolder 4"/>
+          <p:cNvSpPr>
+            <a:spLocks noGrp="1"/>
+          </p:cNvSpPr>
+          <p:nvPr>
+            <p:ph type="body"/>
+          </p:nvPr>
+        </p:nvSpPr>
+        <p:spPr>
+          <a:xfrm>
+            <a:off x="504000" y="4059000"/>
+            <a:ext cx="9071280" cy="2090880"/>
+          </a:xfrm>
+          <a:prstGeom prst="rect">
+            <a:avLst/>
+          </a:prstGeom>
+        </p:spPr>
+        <p:txBody>
+          <a:bodyPr lIns="0" rIns="0" tIns="0" bIns="0"/>
+          <a:p>
+            <a:endParaRPr/>
+          </a:p>
+        </p:txBody>
+      </p:sp>
+    </p:spTree>
+  </p:cSld>
+</p:sldLayout>
+</file>
+
+<file path=ppt/slideLayouts/slideLayout22.xml><?xml version="1.0" encoding="utf-8"?>
+<p:sldLayout xmlns:a="http://schemas.openxmlformats.org/drawingml/2006/main" xmlns:p="http://schemas.openxmlformats.org/presentationml/2006/main" xmlns:r="http://schemas.openxmlformats.org/officeDocument/2006/relationships" type="objOverTx" preserve="1">
+  <p:cSld name="Title, Content over Content">
+    <p:spTree>
+      <p:nvGrpSpPr>
+        <p:cNvPr id="1" name=""/>
+        <p:cNvGrpSpPr/>
+        <p:nvPr/>
+      </p:nvGrpSpPr>
+      <p:grpSpPr>
+        <a:xfrm>
+          <a:off x="0" y="0"/>
+          <a:ext cx="0" cy="0"/>
+          <a:chOff x="0" y="0"/>
+          <a:chExt cx="0" cy="0"/>
+        </a:xfrm>
+      </p:grpSpPr>
+      <p:sp>
+        <p:nvSpPr>
+          <p:cNvPr id="60" name="PlaceHolder 1"/>
+          <p:cNvSpPr>
+            <a:spLocks noGrp="1"/>
+          </p:cNvSpPr>
+          <p:nvPr>
+            <p:ph type="title"/>
+          </p:nvPr>
+        </p:nvSpPr>
+        <p:spPr>
+          <a:xfrm>
+            <a:off x="504000" y="301320"/>
+            <a:ext cx="9071280" cy="1261800"/>
+          </a:xfrm>
+          <a:prstGeom prst="rect">
+            <a:avLst/>
+          </a:prstGeom>
+        </p:spPr>
+        <p:txBody>
+          <a:bodyPr lIns="0" rIns="0" tIns="0" bIns="0" anchor="ctr"/>
+          <a:p>
+            <a:pPr algn="ctr"/>
+            <a:endParaRPr/>
+          </a:p>
+        </p:txBody>
+      </p:sp>
+      <p:sp>
+        <p:nvSpPr>
+          <p:cNvPr id="61" name="PlaceHolder 2"/>
+          <p:cNvSpPr>
+            <a:spLocks noGrp="1"/>
+          </p:cNvSpPr>
+          <p:nvPr>
+            <p:ph type="body"/>
+          </p:nvPr>
+        </p:nvSpPr>
+        <p:spPr>
+          <a:xfrm>
+            <a:off x="504000" y="1769040"/>
+            <a:ext cx="9071280" cy="2090880"/>
+          </a:xfrm>
+          <a:prstGeom prst="rect">
+            <a:avLst/>
+          </a:prstGeom>
+        </p:spPr>
+        <p:txBody>
+          <a:bodyPr lIns="0" rIns="0" tIns="0" bIns="0"/>
+          <a:p>
+            <a:endParaRPr/>
+          </a:p>
+        </p:txBody>
+      </p:sp>
+      <p:sp>
+        <p:nvSpPr>
+          <p:cNvPr id="62" name="PlaceHolder 3"/>
+          <p:cNvSpPr>
+            <a:spLocks noGrp="1"/>
+          </p:cNvSpPr>
+          <p:nvPr>
+            <p:ph type="body"/>
+          </p:nvPr>
+        </p:nvSpPr>
+        <p:spPr>
+          <a:xfrm>
+            <a:off x="504000" y="4059000"/>
+            <a:ext cx="9071280" cy="2090880"/>
+          </a:xfrm>
+          <a:prstGeom prst="rect">
+            <a:avLst/>
+          </a:prstGeom>
+        </p:spPr>
+        <p:txBody>
+          <a:bodyPr lIns="0" rIns="0" tIns="0" bIns="0"/>
+          <a:p>
+            <a:endParaRPr/>
+          </a:p>
+        </p:txBody>
+      </p:sp>
+    </p:spTree>
+  </p:cSld>
+</p:sldLayout>
+</file>
+
+<file path=ppt/slideLayouts/slideLayout23.xml><?xml version="1.0" encoding="utf-8"?>
+<p:sldLayout xmlns:a="http://schemas.openxmlformats.org/drawingml/2006/main" xmlns:p="http://schemas.openxmlformats.org/presentationml/2006/main" xmlns:r="http://schemas.openxmlformats.org/officeDocument/2006/relationships" type="fourObj" preserve="1">
+  <p:cSld name="Title, 4 Content">
+    <p:spTree>
+      <p:nvGrpSpPr>
+        <p:cNvPr id="1" name=""/>
+        <p:cNvGrpSpPr/>
+        <p:nvPr/>
+      </p:nvGrpSpPr>
+      <p:grpSpPr>
+        <a:xfrm>
+          <a:off x="0" y="0"/>
+          <a:ext cx="0" cy="0"/>
+          <a:chOff x="0" y="0"/>
+          <a:chExt cx="0" cy="0"/>
+        </a:xfrm>
+      </p:grpSpPr>
+      <p:sp>
+        <p:nvSpPr>
+          <p:cNvPr id="63" name="PlaceHolder 1"/>
+          <p:cNvSpPr>
+            <a:spLocks noGrp="1"/>
+          </p:cNvSpPr>
+          <p:nvPr>
+            <p:ph type="title"/>
+          </p:nvPr>
+        </p:nvSpPr>
+        <p:spPr>
+          <a:xfrm>
+            <a:off x="504000" y="301320"/>
+            <a:ext cx="9071280" cy="1261800"/>
+          </a:xfrm>
+          <a:prstGeom prst="rect">
+            <a:avLst/>
+          </a:prstGeom>
+        </p:spPr>
+        <p:txBody>
+          <a:bodyPr lIns="0" rIns="0" tIns="0" bIns="0" anchor="ctr"/>
+          <a:p>
+            <a:pPr algn="ctr"/>
+            <a:endParaRPr/>
+          </a:p>
+        </p:txBody>
+      </p:sp>
+      <p:sp>
+        <p:nvSpPr>
+          <p:cNvPr id="64" name="PlaceHolder 2"/>
+          <p:cNvSpPr>
+            <a:spLocks noGrp="1"/>
+          </p:cNvSpPr>
+          <p:nvPr>
+            <p:ph type="body"/>
+          </p:nvPr>
+        </p:nvSpPr>
+        <p:spPr>
+          <a:xfrm>
+            <a:off x="504000" y="1769040"/>
+            <a:ext cx="4426560" cy="2090880"/>
+          </a:xfrm>
+          <a:prstGeom prst="rect">
+            <a:avLst/>
+          </a:prstGeom>
+        </p:spPr>
+        <p:txBody>
+          <a:bodyPr lIns="0" rIns="0" tIns="0" bIns="0"/>
+          <a:p>
+            <a:endParaRPr/>
+          </a:p>
+        </p:txBody>
+      </p:sp>
+      <p:sp>
+        <p:nvSpPr>
+          <p:cNvPr id="65" name="PlaceHolder 3"/>
+          <p:cNvSpPr>
+            <a:spLocks noGrp="1"/>
+          </p:cNvSpPr>
+          <p:nvPr>
+            <p:ph type="body"/>
+          </p:nvPr>
+        </p:nvSpPr>
+        <p:spPr>
+          <a:xfrm>
+            <a:off x="5152320" y="1769040"/>
+            <a:ext cx="4426560" cy="2090880"/>
+          </a:xfrm>
+          <a:prstGeom prst="rect">
+            <a:avLst/>
+          </a:prstGeom>
+        </p:spPr>
+        <p:txBody>
+          <a:bodyPr lIns="0" rIns="0" tIns="0" bIns="0"/>
+          <a:p>
+            <a:endParaRPr/>
+          </a:p>
+        </p:txBody>
+      </p:sp>
+      <p:sp>
+        <p:nvSpPr>
+          <p:cNvPr id="66" name="PlaceHolder 4"/>
+          <p:cNvSpPr>
+            <a:spLocks noGrp="1"/>
+          </p:cNvSpPr>
+          <p:nvPr>
+            <p:ph type="body"/>
+          </p:nvPr>
+        </p:nvSpPr>
+        <p:spPr>
+          <a:xfrm>
+            <a:off x="5152320" y="4059000"/>
+            <a:ext cx="4426560" cy="2090880"/>
+          </a:xfrm>
+          <a:prstGeom prst="rect">
+            <a:avLst/>
+          </a:prstGeom>
+        </p:spPr>
+        <p:txBody>
+          <a:bodyPr lIns="0" rIns="0" tIns="0" bIns="0"/>
+          <a:p>
+            <a:endParaRPr/>
+          </a:p>
+        </p:txBody>
+      </p:sp>
+      <p:sp>
+        <p:nvSpPr>
+          <p:cNvPr id="67" name="PlaceHolder 5"/>
+          <p:cNvSpPr>
+            <a:spLocks noGrp="1"/>
+          </p:cNvSpPr>
+          <p:nvPr>
+            <p:ph type="body"/>
+          </p:nvPr>
+        </p:nvSpPr>
+        <p:spPr>
+          <a:xfrm>
+            <a:off x="504000" y="4059000"/>
+            <a:ext cx="4426560" cy="2090880"/>
+          </a:xfrm>
+          <a:prstGeom prst="rect">
+            <a:avLst/>
+          </a:prstGeom>
+        </p:spPr>
+        <p:txBody>
+          <a:bodyPr lIns="0" rIns="0" tIns="0" bIns="0"/>
+          <a:p>
+            <a:endParaRPr/>
+          </a:p>
+        </p:txBody>
+      </p:sp>
+    </p:spTree>
+  </p:cSld>
+</p:sldLayout>
+</file>
+
+<file path=ppt/slideLayouts/slideLayout24.xml><?xml version="1.0" encoding="utf-8"?>
+<p:sldLayout xmlns:a="http://schemas.openxmlformats.org/drawingml/2006/main" xmlns:p="http://schemas.openxmlformats.org/presentationml/2006/main" xmlns:r="http://schemas.openxmlformats.org/officeDocument/2006/relationships" type="blank" preserve="1">
+  <p:cSld name="Title, 6 Content">
+    <p:spTree>
+      <p:nvGrpSpPr>
+        <p:cNvPr id="1" name=""/>
+        <p:cNvGrpSpPr/>
+        <p:nvPr/>
+      </p:nvGrpSpPr>
+      <p:grpSpPr>
+        <a:xfrm>
+          <a:off x="0" y="0"/>
+          <a:ext cx="0" cy="0"/>
+          <a:chOff x="0" y="0"/>
+          <a:chExt cx="0" cy="0"/>
+        </a:xfrm>
+      </p:grpSpPr>
+      <p:sp>
+        <p:nvSpPr>
+          <p:cNvPr id="68" name="PlaceHolder 1"/>
+          <p:cNvSpPr>
+            <a:spLocks noGrp="1"/>
+          </p:cNvSpPr>
+          <p:nvPr>
+            <p:ph type="title"/>
+          </p:nvPr>
+        </p:nvSpPr>
+        <p:spPr>
+          <a:xfrm>
+            <a:off x="504000" y="301320"/>
+            <a:ext cx="9071280" cy="1261800"/>
+          </a:xfrm>
+          <a:prstGeom prst="rect">
+            <a:avLst/>
+          </a:prstGeom>
+        </p:spPr>
+        <p:txBody>
+          <a:bodyPr lIns="0" rIns="0" tIns="0" bIns="0" anchor="ctr"/>
+          <a:p>
+            <a:pPr algn="ctr"/>
+            <a:endParaRPr/>
+          </a:p>
+        </p:txBody>
+      </p:sp>
+      <p:sp>
+        <p:nvSpPr>
+          <p:cNvPr id="69" name="PlaceHolder 2"/>
+          <p:cNvSpPr>
+            <a:spLocks noGrp="1"/>
+          </p:cNvSpPr>
+          <p:nvPr>
+            <p:ph type="body"/>
+          </p:nvPr>
+        </p:nvSpPr>
+        <p:spPr>
+          <a:xfrm>
+            <a:off x="504000" y="1769040"/>
+            <a:ext cx="9071280" cy="4384080"/>
+          </a:xfrm>
+          <a:prstGeom prst="rect">
+            <a:avLst/>
+          </a:prstGeom>
+        </p:spPr>
+        <p:txBody>
+          <a:bodyPr lIns="0" rIns="0" tIns="0" bIns="0"/>
+          <a:p>
+            <a:endParaRPr/>
+          </a:p>
+        </p:txBody>
+      </p:sp>
+      <p:sp>
+        <p:nvSpPr>
+          <p:cNvPr id="70" name="PlaceHolder 3"/>
+          <p:cNvSpPr>
+            <a:spLocks noGrp="1"/>
+          </p:cNvSpPr>
+          <p:nvPr>
+            <p:ph type="body"/>
+          </p:nvPr>
+        </p:nvSpPr>
+        <p:spPr>
+          <a:xfrm>
+            <a:off x="504000" y="1769040"/>
+            <a:ext cx="9071280" cy="4384080"/>
+          </a:xfrm>
+          <a:prstGeom prst="rect">
+            <a:avLst/>
+          </a:prstGeom>
+        </p:spPr>
+        <p:txBody>
+          <a:bodyPr lIns="0" rIns="0" tIns="0" bIns="0"/>
+          <a:p>
+            <a:endParaRPr/>
+          </a:p>
+        </p:txBody>
+      </p:sp>
+      <p:pic>
+        <p:nvPicPr>
+          <p:cNvPr id="71" name="" descr=""/>
+          <p:cNvPicPr/>
+          <p:nvPr/>
+        </p:nvPicPr>
+        <p:blipFill>
+          <a:blip r:embed="rId2"/>
+          <a:stretch/>
+        </p:blipFill>
+        <p:spPr>
+          <a:xfrm>
+            <a:off x="2292120" y="1769040"/>
+            <a:ext cx="5494680" cy="4384080"/>
+          </a:xfrm>
+          <a:prstGeom prst="rect">
+            <a:avLst/>
+          </a:prstGeom>
+          <a:ln>
+            <a:noFill/>
+          </a:ln>
+        </p:spPr>
+      </p:pic>
+      <p:pic>
+        <p:nvPicPr>
+          <p:cNvPr id="72" name="" descr=""/>
+          <p:cNvPicPr/>
+          <p:nvPr/>
+        </p:nvPicPr>
+        <p:blipFill>
+          <a:blip r:embed="rId3"/>
+          <a:stretch/>
+        </p:blipFill>
+        <p:spPr>
+          <a:xfrm>
+            <a:off x="2292120" y="1769040"/>
+            <a:ext cx="5494680" cy="4384080"/>
+          </a:xfrm>
+          <a:prstGeom prst="rect">
+            <a:avLst/>
+          </a:prstGeom>
+          <a:ln>
+            <a:noFill/>
+          </a:ln>
+        </p:spPr>
+      </p:pic>
     </p:spTree>
   </p:cSld>
 </p:sldLayout>
@@ -544,7 +1699,7 @@
       </p:grpSpPr>
       <p:sp>
         <p:nvSpPr>
-          <p:cNvPr id="7" name="PlaceHolder 1"/>
+          <p:cNvPr id="5" name="PlaceHolder 1"/>
           <p:cNvSpPr>
             <a:spLocks noGrp="1"/>
           </p:cNvSpPr>
@@ -555,7 +1710,7 @@
         <p:spPr>
           <a:xfrm>
             <a:off x="504000" y="301320"/>
-            <a:ext cx="9071640" cy="1262160"/>
+            <a:ext cx="9071280" cy="1261800"/>
           </a:xfrm>
           <a:prstGeom prst="rect">
             <a:avLst/>
@@ -571,7 +1726,7 @@
       </p:sp>
       <p:sp>
         <p:nvSpPr>
-          <p:cNvPr id="8" name="PlaceHolder 2"/>
+          <p:cNvPr id="6" name="PlaceHolder 2"/>
           <p:cNvSpPr>
             <a:spLocks noGrp="1"/>
           </p:cNvSpPr>
@@ -582,7 +1737,7 @@
         <p:spPr>
           <a:xfrm>
             <a:off x="504000" y="1769040"/>
-            <a:ext cx="9071640" cy="4384440"/>
+            <a:ext cx="9071280" cy="4384080"/>
           </a:xfrm>
           <a:prstGeom prst="rect">
             <a:avLst/>
@@ -619,7 +1774,7 @@
       </p:grpSpPr>
       <p:sp>
         <p:nvSpPr>
-          <p:cNvPr id="9" name="PlaceHolder 1"/>
+          <p:cNvPr id="7" name="PlaceHolder 1"/>
           <p:cNvSpPr>
             <a:spLocks noGrp="1"/>
           </p:cNvSpPr>
@@ -630,7 +1785,7 @@
         <p:spPr>
           <a:xfrm>
             <a:off x="504000" y="301320"/>
-            <a:ext cx="9071640" cy="1262160"/>
+            <a:ext cx="9071280" cy="1261800"/>
           </a:xfrm>
           <a:prstGeom prst="rect">
             <a:avLst/>
@@ -646,7 +1801,7 @@
       </p:sp>
       <p:sp>
         <p:nvSpPr>
-          <p:cNvPr id="10" name="PlaceHolder 2"/>
+          <p:cNvPr id="8" name="PlaceHolder 2"/>
           <p:cNvSpPr>
             <a:spLocks noGrp="1"/>
           </p:cNvSpPr>
@@ -657,7 +1812,7 @@
         <p:spPr>
           <a:xfrm>
             <a:off x="504000" y="1769040"/>
-            <a:ext cx="4426920" cy="4384440"/>
+            <a:ext cx="4426560" cy="4384080"/>
           </a:xfrm>
           <a:prstGeom prst="rect">
             <a:avLst/>
@@ -672,7 +1827,7 @@
       </p:sp>
       <p:sp>
         <p:nvSpPr>
-          <p:cNvPr id="11" name="PlaceHolder 3"/>
+          <p:cNvPr id="9" name="PlaceHolder 3"/>
           <p:cNvSpPr>
             <a:spLocks noGrp="1"/>
           </p:cNvSpPr>
@@ -682,8 +1837,8 @@
         </p:nvSpPr>
         <p:spPr>
           <a:xfrm>
-            <a:off x="5152680" y="1769040"/>
-            <a:ext cx="4426920" cy="4384440"/>
+            <a:off x="5152320" y="1769040"/>
+            <a:ext cx="4426560" cy="4384080"/>
           </a:xfrm>
           <a:prstGeom prst="rect">
             <a:avLst/>
@@ -720,7 +1875,7 @@
       </p:grpSpPr>
       <p:sp>
         <p:nvSpPr>
-          <p:cNvPr id="12" name="PlaceHolder 1"/>
+          <p:cNvPr id="10" name="PlaceHolder 1"/>
           <p:cNvSpPr>
             <a:spLocks noGrp="1"/>
           </p:cNvSpPr>
@@ -731,7 +1886,7 @@
         <p:spPr>
           <a:xfrm>
             <a:off x="504000" y="301320"/>
-            <a:ext cx="9071640" cy="1262160"/>
+            <a:ext cx="9071280" cy="1261800"/>
           </a:xfrm>
           <a:prstGeom prst="rect">
             <a:avLst/>
@@ -769,7 +1924,7 @@
       </p:grpSpPr>
       <p:sp>
         <p:nvSpPr>
-          <p:cNvPr id="13" name="PlaceHolder 1"/>
+          <p:cNvPr id="11" name="PlaceHolder 1"/>
           <p:cNvSpPr>
             <a:spLocks noGrp="1"/>
           </p:cNvSpPr>
@@ -780,7 +1935,7 @@
         <p:spPr>
           <a:xfrm>
             <a:off x="504000" y="301320"/>
-            <a:ext cx="9071640" cy="5851800"/>
+            <a:ext cx="9071280" cy="5850360"/>
           </a:xfrm>
           <a:prstGeom prst="rect">
             <a:avLst/>
@@ -818,7 +1973,7 @@
       </p:grpSpPr>
       <p:sp>
         <p:nvSpPr>
-          <p:cNvPr id="14" name="PlaceHolder 1"/>
+          <p:cNvPr id="12" name="PlaceHolder 1"/>
           <p:cNvSpPr>
             <a:spLocks noGrp="1"/>
           </p:cNvSpPr>
@@ -829,7 +1984,7 @@
         <p:spPr>
           <a:xfrm>
             <a:off x="504000" y="301320"/>
-            <a:ext cx="9071640" cy="1262160"/>
+            <a:ext cx="9071280" cy="1261800"/>
           </a:xfrm>
           <a:prstGeom prst="rect">
             <a:avLst/>
@@ -845,7 +2000,7 @@
       </p:sp>
       <p:sp>
         <p:nvSpPr>
-          <p:cNvPr id="15" name="PlaceHolder 2"/>
+          <p:cNvPr id="13" name="PlaceHolder 2"/>
           <p:cNvSpPr>
             <a:spLocks noGrp="1"/>
           </p:cNvSpPr>
@@ -856,7 +2011,7 @@
         <p:spPr>
           <a:xfrm>
             <a:off x="504000" y="1769040"/>
-            <a:ext cx="4426920" cy="2091240"/>
+            <a:ext cx="4426560" cy="2090880"/>
           </a:xfrm>
           <a:prstGeom prst="rect">
             <a:avLst/>
@@ -871,7 +2026,7 @@
       </p:sp>
       <p:sp>
         <p:nvSpPr>
-          <p:cNvPr id="16" name="PlaceHolder 3"/>
+          <p:cNvPr id="14" name="PlaceHolder 3"/>
           <p:cNvSpPr>
             <a:spLocks noGrp="1"/>
           </p:cNvSpPr>
@@ -881,8 +2036,8 @@
         </p:nvSpPr>
         <p:spPr>
           <a:xfrm>
-            <a:off x="504000" y="4059360"/>
-            <a:ext cx="4426920" cy="2091240"/>
+            <a:off x="504000" y="4059000"/>
+            <a:ext cx="4426560" cy="2090880"/>
           </a:xfrm>
           <a:prstGeom prst="rect">
             <a:avLst/>
@@ -897,7 +2052,7 @@
       </p:sp>
       <p:sp>
         <p:nvSpPr>
-          <p:cNvPr id="17" name="PlaceHolder 4"/>
+          <p:cNvPr id="15" name="PlaceHolder 4"/>
           <p:cNvSpPr>
             <a:spLocks noGrp="1"/>
           </p:cNvSpPr>
@@ -907,8 +2062,8 @@
         </p:nvSpPr>
         <p:spPr>
           <a:xfrm>
-            <a:off x="5152680" y="1769040"/>
-            <a:ext cx="4426920" cy="4384440"/>
+            <a:off x="5152320" y="1769040"/>
+            <a:ext cx="4426560" cy="4384080"/>
           </a:xfrm>
           <a:prstGeom prst="rect">
             <a:avLst/>
@@ -945,7 +2100,7 @@
       </p:grpSpPr>
       <p:sp>
         <p:nvSpPr>
-          <p:cNvPr id="18" name="PlaceHolder 1"/>
+          <p:cNvPr id="16" name="PlaceHolder 1"/>
           <p:cNvSpPr>
             <a:spLocks noGrp="1"/>
           </p:cNvSpPr>
@@ -956,7 +2111,7 @@
         <p:spPr>
           <a:xfrm>
             <a:off x="504000" y="301320"/>
-            <a:ext cx="9071640" cy="1262160"/>
+            <a:ext cx="9071280" cy="1261800"/>
           </a:xfrm>
           <a:prstGeom prst="rect">
             <a:avLst/>
@@ -972,7 +2127,7 @@
       </p:sp>
       <p:sp>
         <p:nvSpPr>
-          <p:cNvPr id="19" name="PlaceHolder 2"/>
+          <p:cNvPr id="17" name="PlaceHolder 2"/>
           <p:cNvSpPr>
             <a:spLocks noGrp="1"/>
           </p:cNvSpPr>
@@ -983,7 +2138,7 @@
         <p:spPr>
           <a:xfrm>
             <a:off x="504000" y="1769040"/>
-            <a:ext cx="4426920" cy="4384440"/>
+            <a:ext cx="4426560" cy="4384080"/>
           </a:xfrm>
           <a:prstGeom prst="rect">
             <a:avLst/>
@@ -998,7 +2153,7 @@
       </p:sp>
       <p:sp>
         <p:nvSpPr>
-          <p:cNvPr id="20" name="PlaceHolder 3"/>
+          <p:cNvPr id="18" name="PlaceHolder 3"/>
           <p:cNvSpPr>
             <a:spLocks noGrp="1"/>
           </p:cNvSpPr>
@@ -1008,8 +2163,8 @@
         </p:nvSpPr>
         <p:spPr>
           <a:xfrm>
-            <a:off x="5152680" y="1769040"/>
-            <a:ext cx="4426920" cy="2091240"/>
+            <a:off x="5152320" y="1769040"/>
+            <a:ext cx="4426560" cy="2090880"/>
           </a:xfrm>
           <a:prstGeom prst="rect">
             <a:avLst/>
@@ -1024,7 +2179,7 @@
       </p:sp>
       <p:sp>
         <p:nvSpPr>
-          <p:cNvPr id="21" name="PlaceHolder 4"/>
+          <p:cNvPr id="19" name="PlaceHolder 4"/>
           <p:cNvSpPr>
             <a:spLocks noGrp="1"/>
           </p:cNvSpPr>
@@ -1034,8 +2189,8 @@
         </p:nvSpPr>
         <p:spPr>
           <a:xfrm>
-            <a:off x="5152680" y="4059360"/>
-            <a:ext cx="4426920" cy="2091240"/>
+            <a:off x="5152320" y="4059000"/>
+            <a:ext cx="4426560" cy="2090880"/>
           </a:xfrm>
           <a:prstGeom prst="rect">
             <a:avLst/>
@@ -1072,7 +2227,7 @@
       </p:grpSpPr>
       <p:sp>
         <p:nvSpPr>
-          <p:cNvPr id="22" name="PlaceHolder 1"/>
+          <p:cNvPr id="20" name="PlaceHolder 1"/>
           <p:cNvSpPr>
             <a:spLocks noGrp="1"/>
           </p:cNvSpPr>
@@ -1083,7 +2238,7 @@
         <p:spPr>
           <a:xfrm>
             <a:off x="504000" y="301320"/>
-            <a:ext cx="9071640" cy="1262160"/>
+            <a:ext cx="9071280" cy="1261800"/>
           </a:xfrm>
           <a:prstGeom prst="rect">
             <a:avLst/>
@@ -1099,7 +2254,7 @@
       </p:sp>
       <p:sp>
         <p:nvSpPr>
-          <p:cNvPr id="23" name="PlaceHolder 2"/>
+          <p:cNvPr id="21" name="PlaceHolder 2"/>
           <p:cNvSpPr>
             <a:spLocks noGrp="1"/>
           </p:cNvSpPr>
@@ -1110,7 +2265,7 @@
         <p:spPr>
           <a:xfrm>
             <a:off x="504000" y="1769040"/>
-            <a:ext cx="4426920" cy="2091240"/>
+            <a:ext cx="4426560" cy="2090880"/>
           </a:xfrm>
           <a:prstGeom prst="rect">
             <a:avLst/>
@@ -1125,7 +2280,7 @@
       </p:sp>
       <p:sp>
         <p:nvSpPr>
-          <p:cNvPr id="24" name="PlaceHolder 3"/>
+          <p:cNvPr id="22" name="PlaceHolder 3"/>
           <p:cNvSpPr>
             <a:spLocks noGrp="1"/>
           </p:cNvSpPr>
@@ -1135,8 +2290,8 @@
         </p:nvSpPr>
         <p:spPr>
           <a:xfrm>
-            <a:off x="5152680" y="1769040"/>
-            <a:ext cx="4426920" cy="2091240"/>
+            <a:off x="5152320" y="1769040"/>
+            <a:ext cx="4426560" cy="2090880"/>
           </a:xfrm>
           <a:prstGeom prst="rect">
             <a:avLst/>
@@ -1151,7 +2306,7 @@
       </p:sp>
       <p:sp>
         <p:nvSpPr>
-          <p:cNvPr id="25" name="PlaceHolder 4"/>
+          <p:cNvPr id="23" name="PlaceHolder 4"/>
           <p:cNvSpPr>
             <a:spLocks noGrp="1"/>
           </p:cNvSpPr>
@@ -1161,8 +2316,8 @@
         </p:nvSpPr>
         <p:spPr>
           <a:xfrm>
-            <a:off x="504000" y="4059360"/>
-            <a:ext cx="9071640" cy="2091240"/>
+            <a:off x="504000" y="4059000"/>
+            <a:ext cx="9071280" cy="2090880"/>
           </a:xfrm>
           <a:prstGeom prst="rect">
             <a:avLst/>
@@ -1210,7 +2365,7 @@
         <p:spPr>
           <a:xfrm>
             <a:off x="504000" y="301320"/>
-            <a:ext cx="9071640" cy="1262160"/>
+            <a:ext cx="9071280" cy="1261800"/>
           </a:xfrm>
           <a:prstGeom prst="rect">
             <a:avLst/>
@@ -1220,12 +2375,6 @@
           <a:bodyPr lIns="0" rIns="0" tIns="0" bIns="0" anchor="ctr"/>
           <a:p>
             <a:pPr algn="ctr"/>
-            <a:r>
-              <a:rPr lang="en-US" sz="4400">
-                <a:latin typeface="Arial"/>
-              </a:rPr>
-              <a:t>Click to edit the title text format</a:t>
-            </a:r>
             <a:endParaRPr/>
           </a:p>
         </p:txBody>
@@ -1237,13 +2386,40 @@
             <a:spLocks noGrp="1"/>
           </p:cNvSpPr>
           <p:nvPr>
+            <p:ph type="subTitle"/>
+          </p:nvPr>
+        </p:nvSpPr>
+        <p:spPr>
+          <a:xfrm>
+            <a:off x="504000" y="1769040"/>
+            <a:ext cx="9071280" cy="4384080"/>
+          </a:xfrm>
+          <a:prstGeom prst="rect">
+            <a:avLst/>
+          </a:prstGeom>
+        </p:spPr>
+        <p:txBody>
+          <a:bodyPr lIns="0" rIns="0" tIns="0" bIns="0" anchor="ctr"/>
+          <a:p>
+            <a:pPr algn="ctr"/>
+            <a:endParaRPr/>
+          </a:p>
+        </p:txBody>
+      </p:sp>
+      <p:sp>
+        <p:nvSpPr>
+          <p:cNvPr id="2" name="PlaceHolder 3"/>
+          <p:cNvSpPr>
+            <a:spLocks noGrp="1"/>
+          </p:cNvSpPr>
+          <p:nvPr>
             <p:ph type="body"/>
           </p:nvPr>
         </p:nvSpPr>
         <p:spPr>
           <a:xfrm>
-            <a:off x="504000" y="1769040"/>
-            <a:ext cx="9071640" cy="4384440"/>
+            <a:off x="504000" y="1768680"/>
+            <a:ext cx="9072000" cy="4384080"/>
           </a:xfrm>
           <a:prstGeom prst="rect">
             <a:avLst/>
@@ -1347,104 +2523,6 @@
               </a:rPr>
               <a:t>Seventh Outline Level</a:t>
             </a:r>
-            <a:endParaRPr/>
-          </a:p>
-        </p:txBody>
-      </p:sp>
-      <p:sp>
-        <p:nvSpPr>
-          <p:cNvPr id="2" name="PlaceHolder 3"/>
-          <p:cNvSpPr>
-            <a:spLocks noGrp="1"/>
-          </p:cNvSpPr>
-          <p:nvPr>
-            <p:ph type="dt"/>
-          </p:nvPr>
-        </p:nvSpPr>
-        <p:spPr>
-          <a:xfrm>
-            <a:off x="504000" y="6887160"/>
-            <a:ext cx="2348280" cy="521280"/>
-          </a:xfrm>
-          <a:prstGeom prst="rect">
-            <a:avLst/>
-          </a:prstGeom>
-        </p:spPr>
-        <p:txBody>
-          <a:bodyPr lIns="0" rIns="0" tIns="0" bIns="0"/>
-          <a:p>
-            <a:r>
-              <a:rPr lang="en-US" sz="1400">
-                <a:latin typeface="Times New Roman"/>
-              </a:rPr>
-              <a:t>&lt;date/time&gt;</a:t>
-            </a:r>
-            <a:endParaRPr/>
-          </a:p>
-        </p:txBody>
-      </p:sp>
-      <p:sp>
-        <p:nvSpPr>
-          <p:cNvPr id="3" name="PlaceHolder 4"/>
-          <p:cNvSpPr>
-            <a:spLocks noGrp="1"/>
-          </p:cNvSpPr>
-          <p:nvPr>
-            <p:ph type="ftr"/>
-          </p:nvPr>
-        </p:nvSpPr>
-        <p:spPr>
-          <a:xfrm>
-            <a:off x="3447360" y="6887160"/>
-            <a:ext cx="3195000" cy="521280"/>
-          </a:xfrm>
-          <a:prstGeom prst="rect">
-            <a:avLst/>
-          </a:prstGeom>
-        </p:spPr>
-        <p:txBody>
-          <a:bodyPr lIns="0" rIns="0" tIns="0" bIns="0"/>
-          <a:p>
-            <a:pPr algn="ctr"/>
-            <a:r>
-              <a:rPr lang="en-US" sz="1400">
-                <a:latin typeface="Times New Roman"/>
-              </a:rPr>
-              <a:t>&lt;footer&gt;</a:t>
-            </a:r>
-            <a:endParaRPr/>
-          </a:p>
-        </p:txBody>
-      </p:sp>
-      <p:sp>
-        <p:nvSpPr>
-          <p:cNvPr id="4" name="PlaceHolder 5"/>
-          <p:cNvSpPr>
-            <a:spLocks noGrp="1"/>
-          </p:cNvSpPr>
-          <p:nvPr>
-            <p:ph type="sldNum"/>
-          </p:nvPr>
-        </p:nvSpPr>
-        <p:spPr>
-          <a:xfrm>
-            <a:off x="7227360" y="6887160"/>
-            <a:ext cx="2348280" cy="521280"/>
-          </a:xfrm>
-          <a:prstGeom prst="rect">
-            <a:avLst/>
-          </a:prstGeom>
-        </p:spPr>
-        <p:txBody>
-          <a:bodyPr lIns="0" rIns="0" tIns="0" bIns="0"/>
-          <a:p>
-            <a:pPr algn="r"/>
-            <a:fld id="{0FD675B7-8B07-4FB6-B4A0-1A31985BD334}" type="slidenum">
-              <a:rPr lang="en-US" sz="1400">
-                <a:latin typeface="Times New Roman"/>
-              </a:rPr>
-              <a:t>&lt;number&gt;</a:t>
-            </a:fld>
             <a:endParaRPr/>
           </a:p>
         </p:txBody>
@@ -1465,6 +2543,191 @@
     <p:sldLayoutId id="2147483658" r:id="rId11"/>
     <p:sldLayoutId id="2147483659" r:id="rId12"/>
     <p:sldLayoutId id="2147483660" r:id="rId13"/>
+  </p:sldLayoutIdLst>
+</p:sldMaster>
+</file>
+
+<file path=ppt/slideMasters/slideMaster2.xml><?xml version="1.0" encoding="utf-8"?>
+<p:sldMaster xmlns:a="http://schemas.openxmlformats.org/drawingml/2006/main" xmlns:p="http://schemas.openxmlformats.org/presentationml/2006/main" xmlns:r="http://schemas.openxmlformats.org/officeDocument/2006/relationships">
+  <p:cSld>
+    <p:spTree>
+      <p:nvGrpSpPr>
+        <p:cNvPr id="1" name=""/>
+        <p:cNvGrpSpPr/>
+        <p:nvPr/>
+      </p:nvGrpSpPr>
+      <p:grpSpPr>
+        <a:xfrm>
+          <a:off x="0" y="0"/>
+          <a:ext cx="0" cy="0"/>
+          <a:chOff x="0" y="0"/>
+          <a:chExt cx="0" cy="0"/>
+        </a:xfrm>
+      </p:grpSpPr>
+      <p:sp>
+        <p:nvSpPr>
+          <p:cNvPr id="37" name="PlaceHolder 1"/>
+          <p:cNvSpPr>
+            <a:spLocks noGrp="1"/>
+          </p:cNvSpPr>
+          <p:nvPr>
+            <p:ph type="title"/>
+          </p:nvPr>
+        </p:nvSpPr>
+        <p:spPr>
+          <a:xfrm>
+            <a:off x="504000" y="301320"/>
+            <a:ext cx="9071280" cy="1261800"/>
+          </a:xfrm>
+          <a:prstGeom prst="rect">
+            <a:avLst/>
+          </a:prstGeom>
+        </p:spPr>
+        <p:txBody>
+          <a:bodyPr lIns="0" rIns="0" tIns="0" bIns="0" anchor="ctr"/>
+          <a:p>
+            <a:pPr algn="ctr"/>
+            <a:endParaRPr/>
+          </a:p>
+        </p:txBody>
+      </p:sp>
+      <p:sp>
+        <p:nvSpPr>
+          <p:cNvPr id="38" name="PlaceHolder 2"/>
+          <p:cNvSpPr>
+            <a:spLocks noGrp="1"/>
+          </p:cNvSpPr>
+          <p:nvPr>
+            <p:ph type="body"/>
+          </p:nvPr>
+        </p:nvSpPr>
+        <p:spPr>
+          <a:xfrm>
+            <a:off x="504000" y="1769040"/>
+            <a:ext cx="9071280" cy="4384080"/>
+          </a:xfrm>
+          <a:prstGeom prst="rect">
+            <a:avLst/>
+          </a:prstGeom>
+        </p:spPr>
+        <p:txBody>
+          <a:bodyPr lIns="0" rIns="0" tIns="0" bIns="0"/>
+          <a:p>
+            <a:pPr>
+              <a:buSzPct val="45000"/>
+              <a:buFont typeface="StarSymbol"/>
+              <a:buChar char=""/>
+            </a:pPr>
+            <a:r>
+              <a:rPr lang="en-US">
+                <a:latin typeface="Arial"/>
+              </a:rPr>
+              <a:t>Click to edit the outline text format</a:t>
+            </a:r>
+            <a:endParaRPr/>
+          </a:p>
+          <a:p>
+            <a:pPr lvl="1">
+              <a:buSzPct val="75000"/>
+              <a:buFont typeface="StarSymbol"/>
+              <a:buChar char=""/>
+            </a:pPr>
+            <a:r>
+              <a:rPr lang="en-US">
+                <a:latin typeface="Arial"/>
+              </a:rPr>
+              <a:t>Second Outline Level</a:t>
+            </a:r>
+            <a:endParaRPr/>
+          </a:p>
+          <a:p>
+            <a:pPr lvl="2">
+              <a:buSzPct val="45000"/>
+              <a:buFont typeface="StarSymbol"/>
+              <a:buChar char=""/>
+            </a:pPr>
+            <a:r>
+              <a:rPr lang="en-US">
+                <a:latin typeface="Arial"/>
+              </a:rPr>
+              <a:t>Third Outline Level</a:t>
+            </a:r>
+            <a:endParaRPr/>
+          </a:p>
+          <a:p>
+            <a:pPr lvl="3">
+              <a:buSzPct val="75000"/>
+              <a:buFont typeface="StarSymbol"/>
+              <a:buChar char=""/>
+            </a:pPr>
+            <a:r>
+              <a:rPr lang="en-US">
+                <a:latin typeface="Arial"/>
+              </a:rPr>
+              <a:t>Fourth Outline Level</a:t>
+            </a:r>
+            <a:endParaRPr/>
+          </a:p>
+          <a:p>
+            <a:pPr lvl="4">
+              <a:buSzPct val="45000"/>
+              <a:buFont typeface="StarSymbol"/>
+              <a:buChar char=""/>
+            </a:pPr>
+            <a:r>
+              <a:rPr lang="en-US">
+                <a:latin typeface="Arial"/>
+              </a:rPr>
+              <a:t>Fifth Outline Level</a:t>
+            </a:r>
+            <a:endParaRPr/>
+          </a:p>
+          <a:p>
+            <a:pPr lvl="5">
+              <a:buSzPct val="45000"/>
+              <a:buFont typeface="StarSymbol"/>
+              <a:buChar char=""/>
+            </a:pPr>
+            <a:r>
+              <a:rPr lang="en-US">
+                <a:latin typeface="Arial"/>
+              </a:rPr>
+              <a:t>Sixth Outline Level</a:t>
+            </a:r>
+            <a:endParaRPr/>
+          </a:p>
+          <a:p>
+            <a:pPr lvl="6">
+              <a:buSzPct val="45000"/>
+              <a:buFont typeface="StarSymbol"/>
+              <a:buChar char=""/>
+            </a:pPr>
+            <a:r>
+              <a:rPr lang="en-US">
+                <a:latin typeface="Arial"/>
+              </a:rPr>
+              <a:t>Seventh Outline Level</a:t>
+            </a:r>
+            <a:endParaRPr/>
+          </a:p>
+        </p:txBody>
+      </p:sp>
+    </p:spTree>
+  </p:cSld>
+  <p:clrMap bg1="lt1" bg2="lt2" tx1="dk1" tx2="dk2" accent1="accent1" accent2="accent2" accent3="accent3" accent4="accent4" accent5="accent5" accent6="accent6" hlink="hlink" folHlink="folHlink"/>
+  <p:sldLayoutIdLst>
+    <p:sldLayoutId id="2147483662" r:id="rId2"/>
+    <p:sldLayoutId id="2147483663" r:id="rId3"/>
+    <p:sldLayoutId id="2147483664" r:id="rId4"/>
+    <p:sldLayoutId id="2147483665" r:id="rId5"/>
+    <p:sldLayoutId id="2147483666" r:id="rId6"/>
+    <p:sldLayoutId id="2147483667" r:id="rId7"/>
+    <p:sldLayoutId id="2147483668" r:id="rId8"/>
+    <p:sldLayoutId id="2147483669" r:id="rId9"/>
+    <p:sldLayoutId id="2147483670" r:id="rId10"/>
+    <p:sldLayoutId id="2147483671" r:id="rId11"/>
+    <p:sldLayoutId id="2147483672" r:id="rId12"/>
+    <p:sldLayoutId id="2147483673" r:id="rId13"/>
   </p:sldLayoutIdLst>
 </p:sldMaster>
 </file>
@@ -1488,14 +2751,14 @@
       </p:grpSpPr>
       <p:sp>
         <p:nvSpPr>
-          <p:cNvPr id="39" name="TextShape 1"/>
-          <p:cNvSpPr txBox="1"/>
+          <p:cNvPr id="73" name="CustomShape 1"/>
+          <p:cNvSpPr/>
           <p:nvPr/>
         </p:nvSpPr>
         <p:spPr>
           <a:xfrm>
             <a:off x="504000" y="301320"/>
-            <a:ext cx="9071640" cy="1262160"/>
+            <a:ext cx="9071280" cy="1261800"/>
           </a:xfrm>
           <a:prstGeom prst="rect">
             <a:avLst/>
@@ -1505,12 +2768,22 @@
             <a:noFill/>
           </a:ln>
         </p:spPr>
+        <p:style>
+          <a:lnRef idx="0"/>
+          <a:fillRef idx="0"/>
+          <a:effectRef idx="0"/>
+          <a:fontRef idx="minor"/>
+        </p:style>
         <p:txBody>
           <a:bodyPr lIns="0" rIns="0" tIns="0" bIns="0" anchor="ctr"/>
           <a:p>
-            <a:pPr algn="ctr"/>
-            <a:r>
-              <a:rPr lang="en-US" sz="4400">
+            <a:pPr algn="ctr">
+              <a:lnSpc>
+                <a:spcPct val="100000"/>
+              </a:lnSpc>
+            </a:pPr>
+            <a:r>
+              <a:rPr lang="en-US" sz="4400" strike="noStrike">
                 <a:latin typeface="Arial"/>
               </a:rPr>
               <a:t>What happens when you go to a website?</a:t>
@@ -1521,14 +2794,14 @@
       </p:sp>
       <p:sp>
         <p:nvSpPr>
-          <p:cNvPr id="40" name="TextShape 2"/>
-          <p:cNvSpPr txBox="1"/>
+          <p:cNvPr id="74" name="CustomShape 2"/>
+          <p:cNvSpPr/>
           <p:nvPr/>
         </p:nvSpPr>
         <p:spPr>
           <a:xfrm>
             <a:off x="504000" y="1769040"/>
-            <a:ext cx="9071640" cy="4384440"/>
+            <a:ext cx="9071280" cy="4384080"/>
           </a:xfrm>
           <a:prstGeom prst="rect">
             <a:avLst/>
@@ -1538,16 +2811,25 @@
             <a:noFill/>
           </a:ln>
         </p:spPr>
+        <p:style>
+          <a:lnRef idx="0"/>
+          <a:fillRef idx="0"/>
+          <a:effectRef idx="0"/>
+          <a:fontRef idx="minor"/>
+        </p:style>
         <p:txBody>
           <a:bodyPr lIns="0" rIns="0" tIns="0" bIns="0" anchor="ctr"/>
           <a:p>
             <a:pPr>
-              <a:buSzPct val="45000"/>
-              <a:buFont typeface="StarSymbol"/>
-              <a:buChar char=""/>
-            </a:pPr>
-            <a:r>
-              <a:rPr lang="en-US" sz="3200">
+              <a:lnSpc>
+                <a:spcPct val="100000"/>
+              </a:lnSpc>
+              <a:buSzPct val="45000"/>
+              <a:buFont typeface="StarSymbol"/>
+              <a:buChar char="l"/>
+            </a:pPr>
+            <a:r>
+              <a:rPr lang="en-US" sz="3200" strike="noStrike">
                 <a:latin typeface="Arial"/>
               </a:rPr>
               <a:t>DNS (domain name system) looks up the IP Address for the URL you typed in (google.com = 63.117.14.90)</a:t>
@@ -1556,18 +2838,21 @@
           </a:p>
           <a:p>
             <a:pPr>
-              <a:buSzPct val="45000"/>
-              <a:buFont typeface="StarSymbol"/>
-              <a:buChar char=""/>
-            </a:pPr>
-            <a:r>
-              <a:rPr lang="en-US" sz="3200">
+              <a:lnSpc>
+                <a:spcPct val="100000"/>
+              </a:lnSpc>
+              <a:buSzPct val="45000"/>
+              <a:buFont typeface="StarSymbol"/>
+              <a:buChar char="l"/>
+            </a:pPr>
+            <a:r>
+              <a:rPr lang="en-US" sz="3200" strike="noStrike">
                 <a:latin typeface="Arial"/>
               </a:rPr>
               <a:t> </a:t>
             </a:r>
             <a:r>
-              <a:rPr lang="en-US" sz="3200">
+              <a:rPr lang="en-US" sz="3200" strike="noStrike">
                 <a:latin typeface="Arial"/>
               </a:rPr>
               <a:t>The browser sends a request to the web server at that IP address</a:t>
@@ -1576,12 +2861,15 @@
           </a:p>
           <a:p>
             <a:pPr>
-              <a:buSzPct val="45000"/>
-              <a:buFont typeface="StarSymbol"/>
-              <a:buChar char=""/>
-            </a:pPr>
-            <a:r>
-              <a:rPr lang="en-US" sz="3200">
+              <a:lnSpc>
+                <a:spcPct val="100000"/>
+              </a:lnSpc>
+              <a:buSzPct val="45000"/>
+              <a:buFont typeface="StarSymbol"/>
+              <a:buChar char="l"/>
+            </a:pPr>
+            <a:r>
+              <a:rPr lang="en-US" sz="3200" strike="noStrike">
                 <a:latin typeface="Arial"/>
               </a:rPr>
               <a:t>The web server sends back a response with the HTML content</a:t>
@@ -1590,12 +2878,15 @@
           </a:p>
           <a:p>
             <a:pPr>
-              <a:buSzPct val="45000"/>
-              <a:buFont typeface="StarSymbol"/>
-              <a:buChar char=""/>
-            </a:pPr>
-            <a:r>
-              <a:rPr lang="en-US" sz="3200">
+              <a:lnSpc>
+                <a:spcPct val="100000"/>
+              </a:lnSpc>
+              <a:buSzPct val="45000"/>
+              <a:buFont typeface="StarSymbol"/>
+              <a:buChar char="l"/>
+            </a:pPr>
+            <a:r>
+              <a:rPr lang="en-US" sz="3200" strike="noStrike">
                 <a:latin typeface="Arial"/>
               </a:rPr>
               <a:t>Your browser renders the HTML response and executes any JavaScript in the response.</a:t>
@@ -1655,14 +2946,14 @@
       </p:grpSpPr>
       <p:sp>
         <p:nvSpPr>
-          <p:cNvPr id="55" name="TextShape 1"/>
-          <p:cNvSpPr txBox="1"/>
+          <p:cNvPr id="89" name="CustomShape 1"/>
+          <p:cNvSpPr/>
           <p:nvPr/>
         </p:nvSpPr>
         <p:spPr>
           <a:xfrm>
             <a:off x="504000" y="301320"/>
-            <a:ext cx="9071640" cy="1262160"/>
+            <a:ext cx="9071280" cy="1261800"/>
           </a:xfrm>
           <a:prstGeom prst="rect">
             <a:avLst/>
@@ -1672,12 +2963,22 @@
             <a:noFill/>
           </a:ln>
         </p:spPr>
+        <p:style>
+          <a:lnRef idx="0"/>
+          <a:fillRef idx="0"/>
+          <a:effectRef idx="0"/>
+          <a:fontRef idx="minor"/>
+        </p:style>
         <p:txBody>
           <a:bodyPr lIns="0" rIns="0" tIns="0" bIns="0" anchor="ctr"/>
           <a:p>
-            <a:pPr algn="ctr"/>
-            <a:r>
-              <a:rPr lang="en-US" sz="4400">
+            <a:pPr algn="ctr">
+              <a:lnSpc>
+                <a:spcPct val="100000"/>
+              </a:lnSpc>
+            </a:pPr>
+            <a:r>
+              <a:rPr lang="en-US" sz="4400" strike="noStrike">
                 <a:latin typeface="Arial"/>
               </a:rPr>
               <a:t>What is JavaScript</a:t>
@@ -1688,14 +2989,14 @@
       </p:sp>
       <p:sp>
         <p:nvSpPr>
-          <p:cNvPr id="56" name="TextShape 2"/>
-          <p:cNvSpPr txBox="1"/>
+          <p:cNvPr id="90" name="CustomShape 2"/>
+          <p:cNvSpPr/>
           <p:nvPr/>
         </p:nvSpPr>
         <p:spPr>
           <a:xfrm>
             <a:off x="504000" y="1769040"/>
-            <a:ext cx="9071640" cy="4384440"/>
+            <a:ext cx="9071280" cy="4384080"/>
           </a:xfrm>
           <a:prstGeom prst="rect">
             <a:avLst/>
@@ -1705,28 +3006,37 @@
             <a:noFill/>
           </a:ln>
         </p:spPr>
+        <p:style>
+          <a:lnRef idx="0"/>
+          <a:fillRef idx="0"/>
+          <a:effectRef idx="0"/>
+          <a:fontRef idx="minor"/>
+        </p:style>
         <p:txBody>
           <a:bodyPr lIns="0" rIns="0" tIns="0" bIns="0"/>
           <a:p>
             <a:pPr>
-              <a:buSzPct val="45000"/>
-              <a:buFont typeface="StarSymbol"/>
-              <a:buChar char=""/>
-            </a:pPr>
-            <a:r>
-              <a:rPr b="1" lang="en-US" sz="4400">
+              <a:lnSpc>
+                <a:spcPct val="100000"/>
+              </a:lnSpc>
+              <a:buSzPct val="45000"/>
+              <a:buFont typeface="StarSymbol"/>
+              <a:buChar char="l"/>
+            </a:pPr>
+            <a:r>
+              <a:rPr b="1" lang="en-US" sz="4400" strike="noStrike">
                 <a:latin typeface="Arial"/>
               </a:rPr>
               <a:t>JavaScript </a:t>
             </a:r>
             <a:r>
-              <a:rPr b="1" lang="en-US" sz="4400" u="sng">
+              <a:rPr b="1" lang="en-US" sz="4400" strike="noStrike" u="sng">
                 <a:latin typeface="Arial"/>
               </a:rPr>
               <a:t>IS NOT</a:t>
             </a:r>
             <a:r>
-              <a:rPr b="1" lang="en-US" sz="4400">
+              <a:rPr b="1" lang="en-US" sz="4400" strike="noStrike">
                 <a:latin typeface="Arial"/>
               </a:rPr>
               <a:t> Java</a:t>
@@ -1735,12 +3045,15 @@
           </a:p>
           <a:p>
             <a:pPr>
-              <a:buSzPct val="45000"/>
-              <a:buFont typeface="StarSymbol"/>
-              <a:buChar char=""/>
-            </a:pPr>
-            <a:r>
-              <a:rPr lang="en-US" sz="3200">
+              <a:lnSpc>
+                <a:spcPct val="100000"/>
+              </a:lnSpc>
+              <a:buSzPct val="45000"/>
+              <a:buFont typeface="StarSymbol"/>
+              <a:buChar char="l"/>
+            </a:pPr>
+            <a:r>
+              <a:rPr lang="en-US" sz="3200" strike="noStrike">
                 <a:latin typeface="Arial"/>
               </a:rPr>
               <a:t>Scripting (interpreted at run-time) programming language.</a:t>
@@ -1749,12 +3062,15 @@
           </a:p>
           <a:p>
             <a:pPr>
-              <a:buSzPct val="45000"/>
-              <a:buFont typeface="StarSymbol"/>
-              <a:buChar char=""/>
-            </a:pPr>
-            <a:r>
-              <a:rPr lang="en-US" sz="3200">
+              <a:lnSpc>
+                <a:spcPct val="100000"/>
+              </a:lnSpc>
+              <a:buSzPct val="45000"/>
+              <a:buFont typeface="StarSymbol"/>
+              <a:buChar char="l"/>
+            </a:pPr>
+            <a:r>
+              <a:rPr lang="en-US" sz="3200" strike="noStrike">
                 <a:latin typeface="Arial"/>
               </a:rPr>
               <a:t>Uses standard programming concepts such as loops, conditional statements, and functions</a:t>
@@ -1763,12 +3079,15 @@
           </a:p>
           <a:p>
             <a:pPr>
-              <a:buSzPct val="45000"/>
-              <a:buFont typeface="StarSymbol"/>
-              <a:buChar char=""/>
-            </a:pPr>
-            <a:r>
-              <a:rPr lang="en-US" sz="3200">
+              <a:lnSpc>
+                <a:spcPct val="100000"/>
+              </a:lnSpc>
+              <a:buSzPct val="45000"/>
+              <a:buFont typeface="StarSymbol"/>
+              <a:buChar char="l"/>
+            </a:pPr>
+            <a:r>
+              <a:rPr lang="en-US" sz="3200" strike="noStrike">
                 <a:latin typeface="Arial"/>
               </a:rPr>
               <a:t>Code is executed in the client browser after the response is received.</a:t>
@@ -1777,12 +3096,15 @@
           </a:p>
           <a:p>
             <a:pPr>
-              <a:buSzPct val="45000"/>
-              <a:buFont typeface="StarSymbol"/>
-              <a:buChar char=""/>
-            </a:pPr>
-            <a:r>
-              <a:rPr lang="en-US" sz="3200">
+              <a:lnSpc>
+                <a:spcPct val="100000"/>
+              </a:lnSpc>
+              <a:buSzPct val="45000"/>
+              <a:buFont typeface="StarSymbol"/>
+              <a:buChar char="l"/>
+            </a:pPr>
+            <a:r>
+              <a:rPr lang="en-US" sz="3200" strike="noStrike">
                 <a:latin typeface="Arial"/>
               </a:rPr>
               <a:t>Used for adding complex logic to web pages</a:t>
@@ -1791,12 +3113,15 @@
           </a:p>
           <a:p>
             <a:pPr>
-              <a:buSzPct val="45000"/>
-              <a:buFont typeface="StarSymbol"/>
-              <a:buChar char=""/>
-            </a:pPr>
-            <a:r>
-              <a:rPr lang="en-US" sz="3200">
+              <a:lnSpc>
+                <a:spcPct val="100000"/>
+              </a:lnSpc>
+              <a:buSzPct val="45000"/>
+              <a:buFont typeface="StarSymbol"/>
+              <a:buChar char="l"/>
+            </a:pPr>
+            <a:r>
+              <a:rPr lang="en-US" sz="3200" strike="noStrike">
                 <a:latin typeface="Arial"/>
               </a:rPr>
               <a:t>Can modify the HTML content on a web page</a:t>
@@ -1805,12 +3130,15 @@
           </a:p>
           <a:p>
             <a:pPr>
-              <a:buSzPct val="45000"/>
-              <a:buFont typeface="StarSymbol"/>
-              <a:buChar char=""/>
-            </a:pPr>
-            <a:r>
-              <a:rPr lang="en-US" sz="3200">
+              <a:lnSpc>
+                <a:spcPct val="100000"/>
+              </a:lnSpc>
+              <a:buSzPct val="45000"/>
+              <a:buFont typeface="StarSymbol"/>
+              <a:buChar char="l"/>
+            </a:pPr>
+            <a:r>
+              <a:rPr lang="en-US" sz="3200" strike="noStrike">
                 <a:latin typeface="Arial"/>
               </a:rPr>
               <a:t>Can handle events</a:t>
@@ -1870,14 +3198,14 @@
       </p:grpSpPr>
       <p:sp>
         <p:nvSpPr>
-          <p:cNvPr id="57" name="TextShape 1"/>
-          <p:cNvSpPr txBox="1"/>
+          <p:cNvPr id="91" name="CustomShape 1"/>
+          <p:cNvSpPr/>
           <p:nvPr/>
         </p:nvSpPr>
         <p:spPr>
           <a:xfrm>
             <a:off x="504000" y="1769040"/>
-            <a:ext cx="9071640" cy="4384440"/>
+            <a:ext cx="9071280" cy="4384080"/>
           </a:xfrm>
           <a:prstGeom prst="rect">
             <a:avLst/>
@@ -1887,11 +3215,17 @@
             <a:noFill/>
           </a:ln>
         </p:spPr>
+        <p:style>
+          <a:lnRef idx="0"/>
+          <a:fillRef idx="0"/>
+          <a:effectRef idx="0"/>
+          <a:fontRef idx="minor"/>
+        </p:style>
         <p:txBody>
           <a:bodyPr lIns="0" rIns="0" tIns="0" bIns="0"/>
           <a:p>
             <a:r>
-              <a:rPr lang="en-US" sz="3200">
+              <a:rPr lang="en-US" sz="3200" strike="noStrike">
                 <a:latin typeface="Arial"/>
               </a:rPr>
               <a:t>Var myVariable = 5;</a:t>
@@ -1900,7 +3234,7 @@
           </a:p>
           <a:p>
             <a:r>
-              <a:rPr lang="en-US" sz="3200">
+              <a:rPr lang="en-US" sz="3200" strike="noStrike">
                 <a:latin typeface="Arial"/>
               </a:rPr>
               <a:t>MyVariable += 10;</a:t>
@@ -1909,7 +3243,7 @@
           </a:p>
           <a:p>
             <a:r>
-              <a:rPr lang="en-US" sz="3200">
+              <a:rPr lang="en-US" sz="3200" strike="noStrike">
                 <a:latin typeface="Arial"/>
               </a:rPr>
               <a:t>If( myVariable == 15) {</a:t>
@@ -1918,13 +3252,13 @@
           </a:p>
           <a:p>
             <a:r>
-              <a:rPr lang="en-US" sz="3200">
+              <a:rPr lang="en-US" sz="3200" strike="noStrike">
                 <a:latin typeface="Arial"/>
               </a:rPr>
               <a:t>    </a:t>
             </a:r>
             <a:r>
-              <a:rPr lang="en-US" sz="3200">
+              <a:rPr lang="en-US" sz="3200" strike="noStrike">
                 <a:latin typeface="Arial"/>
               </a:rPr>
               <a:t>Document.getElementById('myDiv').innerHTML = “I'm good at math!”;</a:t>
@@ -1933,7 +3267,7 @@
           </a:p>
           <a:p>
             <a:r>
-              <a:rPr lang="en-US" sz="3200">
+              <a:rPr lang="en-US" sz="3200" strike="noStrike">
                 <a:latin typeface="Arial"/>
               </a:rPr>
               <a:t>}</a:t>
@@ -1993,14 +3327,14 @@
       </p:grpSpPr>
       <p:sp>
         <p:nvSpPr>
-          <p:cNvPr id="58" name="TextShape 1"/>
-          <p:cNvSpPr txBox="1"/>
+          <p:cNvPr id="92" name="CustomShape 1"/>
+          <p:cNvSpPr/>
           <p:nvPr/>
         </p:nvSpPr>
         <p:spPr>
           <a:xfrm>
             <a:off x="504000" y="301320"/>
-            <a:ext cx="9071640" cy="1262160"/>
+            <a:ext cx="9071280" cy="1261800"/>
           </a:xfrm>
           <a:prstGeom prst="rect">
             <a:avLst/>
@@ -2010,12 +3344,22 @@
             <a:noFill/>
           </a:ln>
         </p:spPr>
+        <p:style>
+          <a:lnRef idx="0"/>
+          <a:fillRef idx="0"/>
+          <a:effectRef idx="0"/>
+          <a:fontRef idx="minor"/>
+        </p:style>
         <p:txBody>
           <a:bodyPr lIns="0" rIns="0" tIns="0" bIns="0" anchor="ctr"/>
           <a:p>
-            <a:pPr algn="ctr"/>
-            <a:r>
-              <a:rPr lang="en-US" sz="4400">
+            <a:pPr algn="ctr">
+              <a:lnSpc>
+                <a:spcPct val="100000"/>
+              </a:lnSpc>
+            </a:pPr>
+            <a:r>
+              <a:rPr lang="en-US" sz="4400" strike="noStrike">
                 <a:latin typeface="Arial"/>
               </a:rPr>
               <a:t>JavaScript Variables</a:t>
@@ -2026,14 +3370,14 @@
       </p:sp>
       <p:sp>
         <p:nvSpPr>
-          <p:cNvPr id="59" name="TextShape 2"/>
-          <p:cNvSpPr txBox="1"/>
+          <p:cNvPr id="93" name="CustomShape 2"/>
+          <p:cNvSpPr/>
           <p:nvPr/>
         </p:nvSpPr>
         <p:spPr>
           <a:xfrm>
             <a:off x="504000" y="1769040"/>
-            <a:ext cx="9071640" cy="4384440"/>
+            <a:ext cx="9071280" cy="4384080"/>
           </a:xfrm>
           <a:prstGeom prst="rect">
             <a:avLst/>
@@ -2043,16 +3387,25 @@
             <a:noFill/>
           </a:ln>
         </p:spPr>
+        <p:style>
+          <a:lnRef idx="0"/>
+          <a:fillRef idx="0"/>
+          <a:effectRef idx="0"/>
+          <a:fontRef idx="minor"/>
+        </p:style>
         <p:txBody>
           <a:bodyPr lIns="0" rIns="0" tIns="0" bIns="0"/>
           <a:p>
             <a:pPr>
-              <a:buSzPct val="45000"/>
-              <a:buFont typeface="StarSymbol"/>
-              <a:buChar char=""/>
-            </a:pPr>
-            <a:r>
-              <a:rPr lang="en-US" sz="3200">
+              <a:lnSpc>
+                <a:spcPct val="100000"/>
+              </a:lnSpc>
+              <a:buSzPct val="45000"/>
+              <a:buFont typeface="StarSymbol"/>
+              <a:buChar char="l"/>
+            </a:pPr>
+            <a:r>
+              <a:rPr lang="en-US" sz="3200" strike="noStrike">
                 <a:latin typeface="Arial"/>
               </a:rPr>
               <a:t>Variables are used to store data</a:t>
@@ -2061,12 +3414,15 @@
           </a:p>
           <a:p>
             <a:pPr>
-              <a:buSzPct val="45000"/>
-              <a:buFont typeface="StarSymbol"/>
-              <a:buChar char=""/>
-            </a:pPr>
-            <a:r>
-              <a:rPr lang="en-US" sz="3200">
+              <a:lnSpc>
+                <a:spcPct val="100000"/>
+              </a:lnSpc>
+              <a:buSzPct val="45000"/>
+              <a:buFont typeface="StarSymbol"/>
+              <a:buChar char="l"/>
+            </a:pPr>
+            <a:r>
+              <a:rPr lang="en-US" sz="3200" strike="noStrike">
                 <a:latin typeface="Arial"/>
               </a:rPr>
               <a:t>Can be numbers, strings, boolean (true or false), or arrays</a:t>
@@ -2075,12 +3431,15 @@
           </a:p>
           <a:p>
             <a:pPr>
-              <a:buSzPct val="45000"/>
-              <a:buFont typeface="StarSymbol"/>
-              <a:buChar char=""/>
-            </a:pPr>
-            <a:r>
-              <a:rPr lang="en-US" sz="3200">
+              <a:lnSpc>
+                <a:spcPct val="100000"/>
+              </a:lnSpc>
+              <a:buSzPct val="45000"/>
+              <a:buFont typeface="StarSymbol"/>
+              <a:buChar char="l"/>
+            </a:pPr>
+            <a:r>
+              <a:rPr lang="en-US" sz="3200" strike="noStrike">
                 <a:latin typeface="Arial"/>
               </a:rPr>
               <a:t>You can do arithmetic on variables</a:t>
@@ -2089,12 +3448,15 @@
           </a:p>
           <a:p>
             <a:pPr>
-              <a:buSzPct val="45000"/>
-              <a:buFont typeface="StarSymbol"/>
-              <a:buChar char=""/>
-            </a:pPr>
-            <a:r>
-              <a:rPr lang="en-US" sz="3200">
+              <a:lnSpc>
+                <a:spcPct val="100000"/>
+              </a:lnSpc>
+              <a:buSzPct val="45000"/>
+              <a:buFont typeface="StarSymbol"/>
+              <a:buChar char="l"/>
+            </a:pPr>
+            <a:r>
+              <a:rPr lang="en-US" sz="3200" strike="noStrike">
                 <a:latin typeface="Arial"/>
               </a:rPr>
               <a:t>You can compare values of variables</a:t>
@@ -2103,12 +3465,15 @@
           </a:p>
           <a:p>
             <a:pPr>
-              <a:buSzPct val="45000"/>
-              <a:buFont typeface="StarSymbol"/>
-              <a:buChar char=""/>
-            </a:pPr>
-            <a:r>
-              <a:rPr lang="en-US" sz="3200">
+              <a:lnSpc>
+                <a:spcPct val="100000"/>
+              </a:lnSpc>
+              <a:buSzPct val="45000"/>
+              <a:buFont typeface="StarSymbol"/>
+              <a:buChar char="l"/>
+            </a:pPr>
+            <a:r>
+              <a:rPr lang="en-US" sz="3200" strike="noStrike">
                 <a:latin typeface="Arial"/>
               </a:rPr>
               <a:t>You can combine strings</a:t>
@@ -2168,14 +3533,14 @@
       </p:grpSpPr>
       <p:sp>
         <p:nvSpPr>
-          <p:cNvPr id="60" name="TextShape 1"/>
-          <p:cNvSpPr txBox="1"/>
+          <p:cNvPr id="94" name="CustomShape 1"/>
+          <p:cNvSpPr/>
           <p:nvPr/>
         </p:nvSpPr>
         <p:spPr>
           <a:xfrm>
             <a:off x="504000" y="301320"/>
-            <a:ext cx="9071640" cy="1262160"/>
+            <a:ext cx="9071280" cy="1261800"/>
           </a:xfrm>
           <a:prstGeom prst="rect">
             <a:avLst/>
@@ -2185,12 +3550,22 @@
             <a:noFill/>
           </a:ln>
         </p:spPr>
+        <p:style>
+          <a:lnRef idx="0"/>
+          <a:fillRef idx="0"/>
+          <a:effectRef idx="0"/>
+          <a:fontRef idx="minor"/>
+        </p:style>
         <p:txBody>
           <a:bodyPr lIns="0" rIns="0" tIns="0" bIns="0" anchor="ctr"/>
           <a:p>
-            <a:pPr algn="ctr"/>
-            <a:r>
-              <a:rPr lang="en-US" sz="4400">
+            <a:pPr algn="ctr">
+              <a:lnSpc>
+                <a:spcPct val="100000"/>
+              </a:lnSpc>
+            </a:pPr>
+            <a:r>
+              <a:rPr lang="en-US" sz="4400" strike="noStrike">
                 <a:latin typeface="Arial"/>
               </a:rPr>
               <a:t>JavaScript Functions</a:t>
@@ -2201,14 +3576,14 @@
       </p:sp>
       <p:sp>
         <p:nvSpPr>
-          <p:cNvPr id="61" name="TextShape 2"/>
-          <p:cNvSpPr txBox="1"/>
+          <p:cNvPr id="95" name="CustomShape 2"/>
+          <p:cNvSpPr/>
           <p:nvPr/>
         </p:nvSpPr>
         <p:spPr>
           <a:xfrm>
             <a:off x="504000" y="1769040"/>
-            <a:ext cx="9071640" cy="4384440"/>
+            <a:ext cx="9071280" cy="4384080"/>
           </a:xfrm>
           <a:prstGeom prst="rect">
             <a:avLst/>
@@ -2218,16 +3593,25 @@
             <a:noFill/>
           </a:ln>
         </p:spPr>
+        <p:style>
+          <a:lnRef idx="0"/>
+          <a:fillRef idx="0"/>
+          <a:effectRef idx="0"/>
+          <a:fontRef idx="minor"/>
+        </p:style>
         <p:txBody>
           <a:bodyPr lIns="0" rIns="0" tIns="0" bIns="0"/>
           <a:p>
             <a:pPr>
-              <a:buSzPct val="45000"/>
-              <a:buFont typeface="StarSymbol"/>
-              <a:buChar char=""/>
-            </a:pPr>
-            <a:r>
-              <a:rPr lang="en-US" sz="3200">
+              <a:lnSpc>
+                <a:spcPct val="100000"/>
+              </a:lnSpc>
+              <a:buSzPct val="45000"/>
+              <a:buFont typeface="StarSymbol"/>
+              <a:buChar char="l"/>
+            </a:pPr>
+            <a:r>
+              <a:rPr lang="en-US" sz="3200" strike="noStrike">
                 <a:latin typeface="Arial"/>
               </a:rPr>
               <a:t>Block of code designed to perform a certain task</a:t>
@@ -2236,12 +3620,15 @@
           </a:p>
           <a:p>
             <a:pPr>
-              <a:buSzPct val="45000"/>
-              <a:buFont typeface="StarSymbol"/>
-              <a:buChar char=""/>
-            </a:pPr>
-            <a:r>
-              <a:rPr lang="en-US" sz="3200">
+              <a:lnSpc>
+                <a:spcPct val="100000"/>
+              </a:lnSpc>
+              <a:buSzPct val="45000"/>
+              <a:buFont typeface="StarSymbol"/>
+              <a:buChar char="l"/>
+            </a:pPr>
+            <a:r>
+              <a:rPr lang="en-US" sz="3200" strike="noStrike">
                 <a:latin typeface="Arial"/>
               </a:rPr>
               <a:t>Can take parameters</a:t>
@@ -2250,12 +3637,15 @@
           </a:p>
           <a:p>
             <a:pPr>
-              <a:buSzPct val="45000"/>
-              <a:buFont typeface="StarSymbol"/>
-              <a:buChar char=""/>
-            </a:pPr>
-            <a:r>
-              <a:rPr lang="en-US" sz="3200">
+              <a:lnSpc>
+                <a:spcPct val="100000"/>
+              </a:lnSpc>
+              <a:buSzPct val="45000"/>
+              <a:buFont typeface="StarSymbol"/>
+              <a:buChar char="l"/>
+            </a:pPr>
+            <a:r>
+              <a:rPr lang="en-US" sz="3200" strike="noStrike">
                 <a:latin typeface="Arial"/>
               </a:rPr>
               <a:t>Can return a value</a:t>
@@ -2264,12 +3654,15 @@
           </a:p>
           <a:p>
             <a:pPr>
-              <a:buSzPct val="45000"/>
-              <a:buFont typeface="StarSymbol"/>
-              <a:buChar char=""/>
-            </a:pPr>
-            <a:r>
-              <a:rPr lang="en-US" sz="3200">
+              <a:lnSpc>
+                <a:spcPct val="100000"/>
+              </a:lnSpc>
+              <a:buSzPct val="45000"/>
+              <a:buFont typeface="StarSymbol"/>
+              <a:buChar char="l"/>
+            </a:pPr>
+            <a:r>
+              <a:rPr lang="en-US" sz="3200" strike="noStrike">
                 <a:latin typeface="Arial"/>
               </a:rPr>
               <a:t>Can reuse code, making code neater and saving time</a:t>
@@ -2329,14 +3722,14 @@
       </p:grpSpPr>
       <p:sp>
         <p:nvSpPr>
-          <p:cNvPr id="62" name="TextShape 1"/>
-          <p:cNvSpPr txBox="1"/>
+          <p:cNvPr id="96" name="CustomShape 1"/>
+          <p:cNvSpPr/>
           <p:nvPr/>
         </p:nvSpPr>
         <p:spPr>
           <a:xfrm>
             <a:off x="504000" y="301320"/>
-            <a:ext cx="9071640" cy="1262160"/>
+            <a:ext cx="9071280" cy="1261800"/>
           </a:xfrm>
           <a:prstGeom prst="rect">
             <a:avLst/>
@@ -2346,12 +3739,22 @@
             <a:noFill/>
           </a:ln>
         </p:spPr>
+        <p:style>
+          <a:lnRef idx="0"/>
+          <a:fillRef idx="0"/>
+          <a:effectRef idx="0"/>
+          <a:fontRef idx="minor"/>
+        </p:style>
         <p:txBody>
           <a:bodyPr lIns="0" rIns="0" tIns="0" bIns="0" anchor="ctr"/>
           <a:p>
-            <a:pPr algn="ctr"/>
-            <a:r>
-              <a:rPr lang="en-US" sz="4400">
+            <a:pPr algn="ctr">
+              <a:lnSpc>
+                <a:spcPct val="100000"/>
+              </a:lnSpc>
+            </a:pPr>
+            <a:r>
+              <a:rPr lang="en-US" sz="4400" strike="noStrike">
                 <a:latin typeface="Arial"/>
               </a:rPr>
               <a:t>What is jQuery</a:t>
@@ -2362,14 +3765,14 @@
       </p:sp>
       <p:sp>
         <p:nvSpPr>
-          <p:cNvPr id="63" name="TextShape 2"/>
-          <p:cNvSpPr txBox="1"/>
+          <p:cNvPr id="97" name="CustomShape 2"/>
+          <p:cNvSpPr/>
           <p:nvPr/>
         </p:nvSpPr>
         <p:spPr>
           <a:xfrm>
             <a:off x="504000" y="1769040"/>
-            <a:ext cx="9071640" cy="4384440"/>
+            <a:ext cx="9071280" cy="4384080"/>
           </a:xfrm>
           <a:prstGeom prst="rect">
             <a:avLst/>
@@ -2379,16 +3782,25 @@
             <a:noFill/>
           </a:ln>
         </p:spPr>
+        <p:style>
+          <a:lnRef idx="0"/>
+          <a:fillRef idx="0"/>
+          <a:effectRef idx="0"/>
+          <a:fontRef idx="minor"/>
+        </p:style>
         <p:txBody>
           <a:bodyPr lIns="0" rIns="0" tIns="0" bIns="0"/>
           <a:p>
             <a:pPr>
-              <a:buSzPct val="45000"/>
-              <a:buFont typeface="StarSymbol"/>
-              <a:buChar char=""/>
-            </a:pPr>
-            <a:r>
-              <a:rPr lang="en-US" sz="3200">
+              <a:lnSpc>
+                <a:spcPct val="100000"/>
+              </a:lnSpc>
+              <a:buSzPct val="45000"/>
+              <a:buFont typeface="StarSymbol"/>
+              <a:buChar char="l"/>
+            </a:pPr>
+            <a:r>
+              <a:rPr lang="en-US" sz="3200" strike="noStrike">
                 <a:latin typeface="Arial"/>
               </a:rPr>
               <a:t>Most popular JavaScript library</a:t>
@@ -2397,12 +3809,15 @@
           </a:p>
           <a:p>
             <a:pPr>
-              <a:buSzPct val="45000"/>
-              <a:buFont typeface="StarSymbol"/>
-              <a:buChar char=""/>
-            </a:pPr>
-            <a:r>
-              <a:rPr lang="en-US" sz="3200">
+              <a:lnSpc>
+                <a:spcPct val="100000"/>
+              </a:lnSpc>
+              <a:buSzPct val="45000"/>
+              <a:buFont typeface="StarSymbol"/>
+              <a:buChar char="l"/>
+            </a:pPr>
+            <a:r>
+              <a:rPr lang="en-US" sz="3200" strike="noStrike">
                 <a:latin typeface="Arial"/>
               </a:rPr>
               <a:t>Simplifies JavaScript making it easier to write and manipulate HTML content</a:t>
@@ -2411,12 +3826,15 @@
           </a:p>
           <a:p>
             <a:pPr>
-              <a:buSzPct val="45000"/>
-              <a:buFont typeface="StarSymbol"/>
-              <a:buChar char=""/>
-            </a:pPr>
-            <a:r>
-              <a:rPr lang="en-US" sz="3200">
+              <a:lnSpc>
+                <a:spcPct val="100000"/>
+              </a:lnSpc>
+              <a:buSzPct val="45000"/>
+              <a:buFont typeface="StarSymbol"/>
+              <a:buChar char="l"/>
+            </a:pPr>
+            <a:r>
+              <a:rPr lang="en-US" sz="3200" strike="noStrike">
                 <a:latin typeface="Arial"/>
               </a:rPr>
               <a:t>Mimics the selector syntax of CSS</a:t>
@@ -2425,12 +3843,15 @@
           </a:p>
           <a:p>
             <a:pPr>
-              <a:buSzPct val="45000"/>
-              <a:buFont typeface="StarSymbol"/>
-              <a:buChar char=""/>
-            </a:pPr>
-            <a:r>
-              <a:rPr lang="en-US" sz="3200">
+              <a:lnSpc>
+                <a:spcPct val="100000"/>
+              </a:lnSpc>
+              <a:buSzPct val="45000"/>
+              <a:buFont typeface="StarSymbol"/>
+              <a:buChar char="l"/>
+            </a:pPr>
+            <a:r>
+              <a:rPr lang="en-US" sz="3200" strike="noStrike">
                 <a:latin typeface="Arial"/>
               </a:rPr>
               <a:t>Has many useful built-in functions</a:t>
@@ -2439,12 +3860,15 @@
           </a:p>
           <a:p>
             <a:pPr>
-              <a:buSzPct val="45000"/>
-              <a:buFont typeface="StarSymbol"/>
-              <a:buChar char=""/>
-            </a:pPr>
-            <a:r>
-              <a:rPr lang="en-US" sz="3200">
+              <a:lnSpc>
+                <a:spcPct val="100000"/>
+              </a:lnSpc>
+              <a:buSzPct val="45000"/>
+              <a:buFont typeface="StarSymbol"/>
+              <a:buChar char="l"/>
+            </a:pPr>
+            <a:r>
+              <a:rPr lang="en-US" sz="3200" strike="noStrike">
                 <a:latin typeface="Arial"/>
               </a:rPr>
               <a:t>Not necessary, anything you can do in jQuery you can do in vanilla JavaScript</a:t>
@@ -2504,14 +3928,14 @@
       </p:grpSpPr>
       <p:sp>
         <p:nvSpPr>
-          <p:cNvPr id="64" name="TextShape 1"/>
-          <p:cNvSpPr txBox="1"/>
+          <p:cNvPr id="98" name="CustomShape 1"/>
+          <p:cNvSpPr/>
           <p:nvPr/>
         </p:nvSpPr>
         <p:spPr>
           <a:xfrm>
             <a:off x="274320" y="1650600"/>
-            <a:ext cx="9071640" cy="4384440"/>
+            <a:ext cx="9071280" cy="4384080"/>
           </a:xfrm>
           <a:prstGeom prst="rect">
             <a:avLst/>
@@ -2521,11 +3945,17 @@
             <a:noFill/>
           </a:ln>
         </p:spPr>
+        <p:style>
+          <a:lnRef idx="0"/>
+          <a:fillRef idx="0"/>
+          <a:effectRef idx="0"/>
+          <a:fontRef idx="minor"/>
+        </p:style>
         <p:txBody>
           <a:bodyPr lIns="0" rIns="0" tIns="0" bIns="0"/>
           <a:p>
             <a:r>
-              <a:rPr lang="en-US" sz="3200">
+              <a:rPr lang="en-US" sz="3200" strike="noStrike">
                 <a:latin typeface="Arial"/>
               </a:rPr>
               <a:t>$(function() {</a:t>
@@ -2534,13 +3964,13 @@
           </a:p>
           <a:p>
             <a:r>
-              <a:rPr lang="en-US" sz="3200">
+              <a:rPr lang="en-US" sz="3200" strike="noStrike">
                 <a:latin typeface="Arial"/>
               </a:rPr>
               <a:t>    </a:t>
             </a:r>
             <a:r>
-              <a:rPr lang="en-US" sz="3200">
+              <a:rPr lang="en-US" sz="3200" strike="noStrike">
                 <a:latin typeface="Arial"/>
               </a:rPr>
               <a:t>Var $myDiv = $('#myDiv');</a:t>
@@ -2549,13 +3979,13 @@
           </a:p>
           <a:p>
             <a:r>
-              <a:rPr lang="en-US" sz="3200">
+              <a:rPr lang="en-US" sz="3200" strike="noStrike">
                 <a:latin typeface="Arial"/>
               </a:rPr>
               <a:t>    </a:t>
             </a:r>
             <a:r>
-              <a:rPr lang="en-US" sz="3200">
+              <a:rPr lang="en-US" sz="3200" strike="noStrike">
                 <a:latin typeface="Arial"/>
               </a:rPr>
               <a:t>$myDiv.text = 'hello makerbar';</a:t>
@@ -2564,13 +3994,13 @@
           </a:p>
           <a:p>
             <a:r>
-              <a:rPr lang="en-US" sz="3200">
+              <a:rPr lang="en-US" sz="3200" strike="noStrike">
                 <a:latin typeface="Arial"/>
               </a:rPr>
               <a:t>    </a:t>
             </a:r>
             <a:r>
-              <a:rPr lang="en-US" sz="3200">
+              <a:rPr lang="en-US" sz="3200" strike="noStrike">
                 <a:latin typeface="Arial"/>
               </a:rPr>
               <a:t>$('#myButton').click(function() {</a:t>
@@ -2579,13 +4009,13 @@
           </a:p>
           <a:p>
             <a:r>
-              <a:rPr lang="en-US" sz="3200">
+              <a:rPr lang="en-US" sz="3200" strike="noStrike">
                 <a:latin typeface="Arial"/>
               </a:rPr>
               <a:t>        </a:t>
             </a:r>
             <a:r>
-              <a:rPr lang="en-US" sz="3200">
+              <a:rPr lang="en-US" sz="3200" strike="noStrike">
                 <a:latin typeface="Arial"/>
               </a:rPr>
               <a:t>$myDiv.text = 'clicked button';     </a:t>
@@ -2594,13 +4024,13 @@
           </a:p>
           <a:p>
             <a:r>
-              <a:rPr lang="en-US" sz="3200">
+              <a:rPr lang="en-US" sz="3200" strike="noStrike">
                 <a:latin typeface="Arial"/>
               </a:rPr>
               <a:t>    </a:t>
             </a:r>
             <a:r>
-              <a:rPr lang="en-US" sz="3200">
+              <a:rPr lang="en-US" sz="3200" strike="noStrike">
                 <a:latin typeface="Arial"/>
               </a:rPr>
               <a:t>});</a:t>
@@ -2609,7 +4039,7 @@
           </a:p>
           <a:p>
             <a:r>
-              <a:rPr lang="en-US" sz="3200">
+              <a:rPr lang="en-US" sz="3200" strike="noStrike">
                 <a:latin typeface="Arial"/>
               </a:rPr>
               <a:t>});</a:t>
@@ -2642,14 +4072,14 @@
       </p:grpSpPr>
       <p:sp>
         <p:nvSpPr>
-          <p:cNvPr id="41" name="TextShape 1"/>
-          <p:cNvSpPr txBox="1"/>
+          <p:cNvPr id="75" name="CustomShape 1"/>
+          <p:cNvSpPr/>
           <p:nvPr/>
         </p:nvSpPr>
         <p:spPr>
           <a:xfrm>
             <a:off x="504000" y="301320"/>
-            <a:ext cx="9071640" cy="1262160"/>
+            <a:ext cx="9071280" cy="1261800"/>
           </a:xfrm>
           <a:prstGeom prst="rect">
             <a:avLst/>
@@ -2659,12 +4089,22 @@
             <a:noFill/>
           </a:ln>
         </p:spPr>
+        <p:style>
+          <a:lnRef idx="0"/>
+          <a:fillRef idx="0"/>
+          <a:effectRef idx="0"/>
+          <a:fontRef idx="minor"/>
+        </p:style>
         <p:txBody>
           <a:bodyPr lIns="0" rIns="0" tIns="0" bIns="0" anchor="ctr"/>
           <a:p>
-            <a:pPr algn="ctr"/>
-            <a:r>
-              <a:rPr lang="en-US" sz="4400">
+            <a:pPr algn="ctr">
+              <a:lnSpc>
+                <a:spcPct val="100000"/>
+              </a:lnSpc>
+            </a:pPr>
+            <a:r>
+              <a:rPr lang="en-US" sz="4400" strike="noStrike">
                 <a:latin typeface="Arial"/>
               </a:rPr>
               <a:t>What is HTML</a:t>
@@ -2675,14 +4115,14 @@
       </p:sp>
       <p:sp>
         <p:nvSpPr>
-          <p:cNvPr id="42" name="TextShape 2"/>
-          <p:cNvSpPr txBox="1"/>
+          <p:cNvPr id="76" name="CustomShape 2"/>
+          <p:cNvSpPr/>
           <p:nvPr/>
         </p:nvSpPr>
         <p:spPr>
           <a:xfrm>
             <a:off x="504000" y="1769040"/>
-            <a:ext cx="9071640" cy="4384440"/>
+            <a:ext cx="9071280" cy="4384080"/>
           </a:xfrm>
           <a:prstGeom prst="rect">
             <a:avLst/>
@@ -2692,16 +4132,25 @@
             <a:noFill/>
           </a:ln>
         </p:spPr>
+        <p:style>
+          <a:lnRef idx="0"/>
+          <a:fillRef idx="0"/>
+          <a:effectRef idx="0"/>
+          <a:fontRef idx="minor"/>
+        </p:style>
         <p:txBody>
           <a:bodyPr lIns="0" rIns="0" tIns="0" bIns="0"/>
           <a:p>
             <a:pPr>
-              <a:buSzPct val="45000"/>
-              <a:buFont typeface="StarSymbol"/>
-              <a:buChar char=""/>
-            </a:pPr>
-            <a:r>
-              <a:rPr lang="en-US" sz="3200">
+              <a:lnSpc>
+                <a:spcPct val="100000"/>
+              </a:lnSpc>
+              <a:buSzPct val="45000"/>
+              <a:buFont typeface="StarSymbol"/>
+              <a:buChar char="l"/>
+            </a:pPr>
+            <a:r>
+              <a:rPr lang="en-US" sz="3200" strike="noStrike">
                 <a:latin typeface="Arial"/>
               </a:rPr>
               <a:t>HyperText Markup Language</a:t>
@@ -2710,12 +4159,15 @@
           </a:p>
           <a:p>
             <a:pPr>
-              <a:buSzPct val="45000"/>
-              <a:buFont typeface="StarSymbol"/>
-              <a:buChar char=""/>
-            </a:pPr>
-            <a:r>
-              <a:rPr lang="en-US" sz="3200">
+              <a:lnSpc>
+                <a:spcPct val="100000"/>
+              </a:lnSpc>
+              <a:buSzPct val="45000"/>
+              <a:buFont typeface="StarSymbol"/>
+              <a:buChar char="l"/>
+            </a:pPr>
+            <a:r>
+              <a:rPr lang="en-US" sz="3200" strike="noStrike">
                 <a:latin typeface="Arial"/>
               </a:rPr>
               <a:t>Uses DOM, or a set of standard tags for displaying information.  (eg. div, p, ul)</a:t>
@@ -2724,12 +4176,15 @@
           </a:p>
           <a:p>
             <a:pPr>
-              <a:buSzPct val="45000"/>
-              <a:buFont typeface="StarSymbol"/>
-              <a:buChar char=""/>
-            </a:pPr>
-            <a:r>
-              <a:rPr lang="en-US" sz="3200">
+              <a:lnSpc>
+                <a:spcPct val="100000"/>
+              </a:lnSpc>
+              <a:buSzPct val="45000"/>
+              <a:buFont typeface="StarSymbol"/>
+              <a:buChar char="l"/>
+            </a:pPr>
+            <a:r>
+              <a:rPr lang="en-US" sz="3200" strike="noStrike">
                 <a:latin typeface="Arial"/>
               </a:rPr>
               <a:t>Tags can be nested within on another</a:t>
@@ -2738,12 +4193,15 @@
           </a:p>
           <a:p>
             <a:pPr>
-              <a:buSzPct val="45000"/>
-              <a:buFont typeface="StarSymbol"/>
-              <a:buChar char=""/>
-            </a:pPr>
-            <a:r>
-              <a:rPr lang="en-US" sz="3200">
+              <a:lnSpc>
+                <a:spcPct val="100000"/>
+              </a:lnSpc>
+              <a:buSzPct val="45000"/>
+              <a:buFont typeface="StarSymbol"/>
+              <a:buChar char="l"/>
+            </a:pPr>
+            <a:r>
+              <a:rPr lang="en-US" sz="3200" strike="noStrike">
                 <a:latin typeface="Arial"/>
               </a:rPr>
               <a:t>Can be used for inputing data into a form, displaying images, playing audio/ video.</a:t>
@@ -2752,12 +4210,15 @@
           </a:p>
           <a:p>
             <a:pPr>
-              <a:buSzPct val="45000"/>
-              <a:buFont typeface="StarSymbol"/>
-              <a:buChar char=""/>
-            </a:pPr>
-            <a:r>
-              <a:rPr lang="en-US" sz="3200">
+              <a:lnSpc>
+                <a:spcPct val="100000"/>
+              </a:lnSpc>
+              <a:buSzPct val="45000"/>
+              <a:buFont typeface="StarSymbol"/>
+              <a:buChar char="l"/>
+            </a:pPr>
+            <a:r>
+              <a:rPr lang="en-US" sz="3200" strike="noStrike">
                 <a:latin typeface="Arial"/>
               </a:rPr>
               <a:t>Can contain scripts (JavaScript) and styles (CSS)</a:t>
@@ -2817,14 +4278,14 @@
       </p:grpSpPr>
       <p:sp>
         <p:nvSpPr>
-          <p:cNvPr id="43" name="TextShape 1"/>
-          <p:cNvSpPr txBox="1"/>
+          <p:cNvPr id="77" name="CustomShape 1"/>
+          <p:cNvSpPr/>
           <p:nvPr/>
         </p:nvSpPr>
         <p:spPr>
           <a:xfrm>
             <a:off x="504000" y="1769040"/>
-            <a:ext cx="9071640" cy="4384440"/>
+            <a:ext cx="9071280" cy="4384080"/>
           </a:xfrm>
           <a:prstGeom prst="rect">
             <a:avLst/>
@@ -2834,11 +4295,17 @@
             <a:noFill/>
           </a:ln>
         </p:spPr>
+        <p:style>
+          <a:lnRef idx="0"/>
+          <a:fillRef idx="0"/>
+          <a:effectRef idx="0"/>
+          <a:fontRef idx="minor"/>
+        </p:style>
         <p:txBody>
           <a:bodyPr lIns="0" rIns="0" tIns="0" bIns="0"/>
           <a:p>
             <a:r>
-              <a:rPr lang="en-US" sz="3200">
+              <a:rPr lang="en-US" sz="3200" strike="noStrike">
                 <a:latin typeface="Arial"/>
               </a:rPr>
               <a:t>&lt;!DOCTYPE html&gt;</a:t>
@@ -2847,7 +4314,7 @@
           </a:p>
           <a:p>
             <a:r>
-              <a:rPr lang="en-US" sz="3200">
+              <a:rPr lang="en-US" sz="3200" strike="noStrike">
                 <a:latin typeface="Arial"/>
               </a:rPr>
               <a:t>&lt;html&gt;</a:t>
@@ -2856,13 +4323,13 @@
           </a:p>
           <a:p>
             <a:r>
-              <a:rPr lang="en-US" sz="3200">
+              <a:rPr lang="en-US" sz="3200" strike="noStrike">
                 <a:latin typeface="Arial"/>
               </a:rPr>
               <a:t>    </a:t>
             </a:r>
             <a:r>
-              <a:rPr lang="en-US" sz="3200">
+              <a:rPr lang="en-US" sz="3200" strike="noStrike">
                 <a:latin typeface="Arial"/>
               </a:rPr>
               <a:t>&lt;head&gt;</a:t>
@@ -2871,13 +4338,13 @@
           </a:p>
           <a:p>
             <a:r>
-              <a:rPr lang="en-US" sz="3200">
+              <a:rPr lang="en-US" sz="3200" strike="noStrike">
                 <a:latin typeface="Arial"/>
               </a:rPr>
               <a:t>        </a:t>
             </a:r>
             <a:r>
-              <a:rPr lang="en-US" sz="3200">
+              <a:rPr lang="en-US" sz="3200" strike="noStrike">
                 <a:latin typeface="Arial"/>
               </a:rPr>
               <a:t>&lt;title&gt;Sample&lt;/title&gt;</a:t>
@@ -2886,13 +4353,13 @@
           </a:p>
           <a:p>
             <a:r>
-              <a:rPr lang="en-US" sz="3200">
+              <a:rPr lang="en-US" sz="3200" strike="noStrike">
                 <a:latin typeface="Arial"/>
               </a:rPr>
               <a:t>    </a:t>
             </a:r>
             <a:r>
-              <a:rPr lang="en-US" sz="3200">
+              <a:rPr lang="en-US" sz="3200" strike="noStrike">
                 <a:latin typeface="Arial"/>
               </a:rPr>
               <a:t>&lt;/head&gt;</a:t>
@@ -2904,13 +4371,13 @@
           </a:p>
           <a:p>
             <a:r>
-              <a:rPr lang="en-US" sz="3200">
+              <a:rPr lang="en-US" sz="3200" strike="noStrike">
                 <a:latin typeface="Arial"/>
               </a:rPr>
               <a:t>    </a:t>
             </a:r>
             <a:r>
-              <a:rPr lang="en-US" sz="3200">
+              <a:rPr lang="en-US" sz="3200" strike="noStrike">
                 <a:latin typeface="Arial"/>
               </a:rPr>
               <a:t>&lt;body&gt;</a:t>
@@ -2919,13 +4386,13 @@
           </a:p>
           <a:p>
             <a:r>
-              <a:rPr lang="en-US" sz="3200">
+              <a:rPr lang="en-US" sz="3200" strike="noStrike">
                 <a:latin typeface="Arial"/>
               </a:rPr>
               <a:t>        </a:t>
             </a:r>
             <a:r>
-              <a:rPr lang="en-US" sz="3200">
+              <a:rPr lang="en-US" sz="3200" strike="noStrike">
                 <a:latin typeface="Arial"/>
               </a:rPr>
               <a:t>&lt;h1&gt;Welcome to the MakerBar&lt;/h1&gt;</a:t>
@@ -2934,13 +4401,13 @@
           </a:p>
           <a:p>
             <a:r>
-              <a:rPr lang="en-US" sz="3200">
+              <a:rPr lang="en-US" sz="3200" strike="noStrike">
                 <a:latin typeface="Arial"/>
               </a:rPr>
               <a:t>        </a:t>
             </a:r>
             <a:r>
-              <a:rPr lang="en-US" sz="3200">
+              <a:rPr lang="en-US" sz="3200" strike="noStrike">
                 <a:latin typeface="Arial"/>
               </a:rPr>
               <a:t>&lt;p&gt;HTML is cool!&lt;/p&gt;</a:t>
@@ -2949,13 +4416,13 @@
           </a:p>
           <a:p>
             <a:r>
-              <a:rPr lang="en-US" sz="3200">
+              <a:rPr lang="en-US" sz="3200" strike="noStrike">
                 <a:latin typeface="Arial"/>
               </a:rPr>
               <a:t>    </a:t>
             </a:r>
             <a:r>
-              <a:rPr lang="en-US" sz="3200">
+              <a:rPr lang="en-US" sz="3200" strike="noStrike">
                 <a:latin typeface="Arial"/>
               </a:rPr>
               <a:t>&lt;/body&gt;</a:t>
@@ -2964,7 +4431,7 @@
           </a:p>
           <a:p>
             <a:r>
-              <a:rPr lang="en-US" sz="3200">
+              <a:rPr lang="en-US" sz="3200" strike="noStrike">
                 <a:latin typeface="Arial"/>
               </a:rPr>
               <a:t>&lt;/html&gt;</a:t>
@@ -3024,14 +4491,14 @@
       </p:grpSpPr>
       <p:sp>
         <p:nvSpPr>
-          <p:cNvPr id="44" name="TextShape 1"/>
-          <p:cNvSpPr txBox="1"/>
+          <p:cNvPr id="78" name="CustomShape 1"/>
+          <p:cNvSpPr/>
           <p:nvPr/>
         </p:nvSpPr>
         <p:spPr>
           <a:xfrm>
             <a:off x="504000" y="301320"/>
-            <a:ext cx="9071640" cy="1262160"/>
+            <a:ext cx="9071280" cy="1261800"/>
           </a:xfrm>
           <a:prstGeom prst="rect">
             <a:avLst/>
@@ -3041,12 +4508,22 @@
             <a:noFill/>
           </a:ln>
         </p:spPr>
+        <p:style>
+          <a:lnRef idx="0"/>
+          <a:fillRef idx="0"/>
+          <a:effectRef idx="0"/>
+          <a:fontRef idx="minor"/>
+        </p:style>
         <p:txBody>
           <a:bodyPr lIns="0" rIns="0" tIns="0" bIns="0" anchor="ctr"/>
           <a:p>
-            <a:pPr algn="ctr"/>
-            <a:r>
-              <a:rPr lang="en-US" sz="4400">
+            <a:pPr algn="ctr">
+              <a:lnSpc>
+                <a:spcPct val="100000"/>
+              </a:lnSpc>
+            </a:pPr>
+            <a:r>
+              <a:rPr lang="en-US" sz="4400" strike="noStrike">
                 <a:latin typeface="Arial"/>
               </a:rPr>
               <a:t>HTML Elements</a:t>
@@ -3057,14 +4534,14 @@
       </p:sp>
       <p:sp>
         <p:nvSpPr>
-          <p:cNvPr id="45" name="TextShape 2"/>
-          <p:cNvSpPr txBox="1"/>
+          <p:cNvPr id="79" name="CustomShape 2"/>
+          <p:cNvSpPr/>
           <p:nvPr/>
         </p:nvSpPr>
         <p:spPr>
           <a:xfrm>
             <a:off x="504000" y="1769040"/>
-            <a:ext cx="9071640" cy="4384440"/>
+            <a:ext cx="9071280" cy="4384080"/>
           </a:xfrm>
           <a:prstGeom prst="rect">
             <a:avLst/>
@@ -3074,16 +4551,25 @@
             <a:noFill/>
           </a:ln>
         </p:spPr>
+        <p:style>
+          <a:lnRef idx="0"/>
+          <a:fillRef idx="0"/>
+          <a:effectRef idx="0"/>
+          <a:fontRef idx="minor"/>
+        </p:style>
         <p:txBody>
           <a:bodyPr lIns="0" rIns="0" tIns="0" bIns="0"/>
           <a:p>
             <a:pPr>
-              <a:buSzPct val="45000"/>
-              <a:buFont typeface="StarSymbol"/>
-              <a:buChar char=""/>
-            </a:pPr>
-            <a:r>
-              <a:rPr lang="en-US" sz="3200">
+              <a:lnSpc>
+                <a:spcPct val="100000"/>
+              </a:lnSpc>
+              <a:buSzPct val="45000"/>
+              <a:buFont typeface="StarSymbol"/>
+              <a:buChar char="l"/>
+            </a:pPr>
+            <a:r>
+              <a:rPr lang="en-US" sz="3200" strike="noStrike">
                 <a:latin typeface="Arial"/>
               </a:rPr>
               <a:t>H1-6 = Header</a:t>
@@ -3092,12 +4578,15 @@
           </a:p>
           <a:p>
             <a:pPr>
-              <a:buSzPct val="45000"/>
-              <a:buFont typeface="StarSymbol"/>
-              <a:buChar char=""/>
-            </a:pPr>
-            <a:r>
-              <a:rPr lang="en-US" sz="3200">
+              <a:lnSpc>
+                <a:spcPct val="100000"/>
+              </a:lnSpc>
+              <a:buSzPct val="45000"/>
+              <a:buFont typeface="StarSymbol"/>
+              <a:buChar char="l"/>
+            </a:pPr>
+            <a:r>
+              <a:rPr lang="en-US" sz="3200" strike="noStrike">
                 <a:latin typeface="Arial"/>
               </a:rPr>
               <a:t>P = Paragraph</a:t>
@@ -3106,12 +4595,15 @@
           </a:p>
           <a:p>
             <a:pPr>
-              <a:buSzPct val="45000"/>
-              <a:buFont typeface="StarSymbol"/>
-              <a:buChar char=""/>
-            </a:pPr>
-            <a:r>
-              <a:rPr lang="en-US" sz="3200">
+              <a:lnSpc>
+                <a:spcPct val="100000"/>
+              </a:lnSpc>
+              <a:buSzPct val="45000"/>
+              <a:buFont typeface="StarSymbol"/>
+              <a:buChar char="l"/>
+            </a:pPr>
+            <a:r>
+              <a:rPr lang="en-US" sz="3200" strike="noStrike">
                 <a:latin typeface="Arial"/>
               </a:rPr>
               <a:t>Ol, ul = Ordered/ unordered list</a:t>
@@ -3120,12 +4612,15 @@
           </a:p>
           <a:p>
             <a:pPr>
-              <a:buSzPct val="45000"/>
-              <a:buFont typeface="StarSymbol"/>
-              <a:buChar char=""/>
-            </a:pPr>
-            <a:r>
-              <a:rPr lang="en-US" sz="3200">
+              <a:lnSpc>
+                <a:spcPct val="100000"/>
+              </a:lnSpc>
+              <a:buSzPct val="45000"/>
+              <a:buFont typeface="StarSymbol"/>
+              <a:buChar char="l"/>
+            </a:pPr>
+            <a:r>
+              <a:rPr lang="en-US" sz="3200" strike="noStrike">
                 <a:latin typeface="Arial"/>
               </a:rPr>
               <a:t>A = anchor</a:t>
@@ -3134,12 +4629,15 @@
           </a:p>
           <a:p>
             <a:pPr>
-              <a:buSzPct val="45000"/>
-              <a:buFont typeface="StarSymbol"/>
-              <a:buChar char=""/>
-            </a:pPr>
-            <a:r>
-              <a:rPr lang="en-US" sz="3200">
+              <a:lnSpc>
+                <a:spcPct val="100000"/>
+              </a:lnSpc>
+              <a:buSzPct val="45000"/>
+              <a:buFont typeface="StarSymbol"/>
+              <a:buChar char="l"/>
+            </a:pPr>
+            <a:r>
+              <a:rPr lang="en-US" sz="3200" strike="noStrike">
                 <a:latin typeface="Arial"/>
               </a:rPr>
               <a:t>Img = Image</a:t>
@@ -3148,12 +4646,15 @@
           </a:p>
           <a:p>
             <a:pPr>
-              <a:buSzPct val="45000"/>
-              <a:buFont typeface="StarSymbol"/>
-              <a:buChar char=""/>
-            </a:pPr>
-            <a:r>
-              <a:rPr lang="en-US" sz="3200">
+              <a:lnSpc>
+                <a:spcPct val="100000"/>
+              </a:lnSpc>
+              <a:buSzPct val="45000"/>
+              <a:buFont typeface="StarSymbol"/>
+              <a:buChar char="l"/>
+            </a:pPr>
+            <a:r>
+              <a:rPr lang="en-US" sz="3200" strike="noStrike">
                 <a:latin typeface="Arial"/>
               </a:rPr>
               <a:t>Hr = horizontal rule</a:t>
@@ -3162,26 +4663,32 @@
           </a:p>
           <a:p>
             <a:pPr>
-              <a:buSzPct val="45000"/>
-              <a:buFont typeface="StarSymbol"/>
-              <a:buChar char=""/>
-            </a:pPr>
-            <a:r>
-              <a:rPr lang="en-US" sz="3200">
-                <a:latin typeface="Arial"/>
-              </a:rPr>
-              <a:t>Br = break (BAD!)</a:t>
-            </a:r>
-            <a:endParaRPr/>
-          </a:p>
-          <a:p>
-            <a:pPr>
-              <a:buSzPct val="45000"/>
-              <a:buFont typeface="StarSymbol"/>
-              <a:buChar char=""/>
-            </a:pPr>
-            <a:r>
-              <a:rPr lang="en-US" sz="3200">
+              <a:lnSpc>
+                <a:spcPct val="100000"/>
+              </a:lnSpc>
+              <a:buSzPct val="45000"/>
+              <a:buFont typeface="StarSymbol"/>
+              <a:buChar char="l"/>
+            </a:pPr>
+            <a:r>
+              <a:rPr lang="en-US" sz="3200" strike="noStrike">
+                <a:latin typeface="Arial"/>
+              </a:rPr>
+              <a:t>Br = line break</a:t>
+            </a:r>
+            <a:endParaRPr/>
+          </a:p>
+          <a:p>
+            <a:pPr>
+              <a:lnSpc>
+                <a:spcPct val="100000"/>
+              </a:lnSpc>
+              <a:buSzPct val="45000"/>
+              <a:buFont typeface="StarSymbol"/>
+              <a:buChar char="l"/>
+            </a:pPr>
+            <a:r>
+              <a:rPr lang="en-US" sz="3200" strike="noStrike">
                 <a:latin typeface="Arial"/>
               </a:rPr>
               <a:t>Div, span</a:t>
@@ -3241,14 +4748,14 @@
       </p:grpSpPr>
       <p:sp>
         <p:nvSpPr>
-          <p:cNvPr id="46" name="TextShape 1"/>
-          <p:cNvSpPr txBox="1"/>
+          <p:cNvPr id="80" name="CustomShape 1"/>
+          <p:cNvSpPr/>
           <p:nvPr/>
         </p:nvSpPr>
         <p:spPr>
           <a:xfrm>
             <a:off x="504000" y="301320"/>
-            <a:ext cx="9071640" cy="1262160"/>
+            <a:ext cx="9071280" cy="1261800"/>
           </a:xfrm>
           <a:prstGeom prst="rect">
             <a:avLst/>
@@ -3258,12 +4765,22 @@
             <a:noFill/>
           </a:ln>
         </p:spPr>
+        <p:style>
+          <a:lnRef idx="0"/>
+          <a:fillRef idx="0"/>
+          <a:effectRef idx="0"/>
+          <a:fontRef idx="minor"/>
+        </p:style>
         <p:txBody>
           <a:bodyPr lIns="0" rIns="0" tIns="0" bIns="0" anchor="ctr"/>
           <a:p>
-            <a:pPr algn="ctr"/>
-            <a:r>
-              <a:rPr lang="en-US" sz="4400">
+            <a:pPr algn="ctr">
+              <a:lnSpc>
+                <a:spcPct val="100000"/>
+              </a:lnSpc>
+            </a:pPr>
+            <a:r>
+              <a:rPr lang="en-US" sz="4400" strike="noStrike">
                 <a:latin typeface="Arial"/>
               </a:rPr>
               <a:t>HTML Attributes</a:t>
@@ -3274,14 +4791,14 @@
       </p:sp>
       <p:sp>
         <p:nvSpPr>
-          <p:cNvPr id="47" name="TextShape 2"/>
-          <p:cNvSpPr txBox="1"/>
+          <p:cNvPr id="81" name="CustomShape 2"/>
+          <p:cNvSpPr/>
           <p:nvPr/>
         </p:nvSpPr>
         <p:spPr>
           <a:xfrm>
             <a:off x="504000" y="1769040"/>
-            <a:ext cx="9071640" cy="4384440"/>
+            <a:ext cx="9071280" cy="4384080"/>
           </a:xfrm>
           <a:prstGeom prst="rect">
             <a:avLst/>
@@ -3291,16 +4808,25 @@
             <a:noFill/>
           </a:ln>
         </p:spPr>
+        <p:style>
+          <a:lnRef idx="0"/>
+          <a:fillRef idx="0"/>
+          <a:effectRef idx="0"/>
+          <a:fontRef idx="minor"/>
+        </p:style>
         <p:txBody>
           <a:bodyPr lIns="0" rIns="0" tIns="0" bIns="0"/>
           <a:p>
             <a:pPr>
-              <a:buSzPct val="45000"/>
-              <a:buFont typeface="StarSymbol"/>
-              <a:buChar char=""/>
-            </a:pPr>
-            <a:r>
-              <a:rPr lang="en-US" sz="3200">
+              <a:lnSpc>
+                <a:spcPct val="100000"/>
+              </a:lnSpc>
+              <a:buSzPct val="45000"/>
+              <a:buFont typeface="StarSymbol"/>
+              <a:buChar char="l"/>
+            </a:pPr>
+            <a:r>
+              <a:rPr lang="en-US" sz="3200" strike="noStrike">
                 <a:latin typeface="Arial"/>
               </a:rPr>
               <a:t>Alt = alternative text (for visually impaired)</a:t>
@@ -3309,12 +4835,15 @@
           </a:p>
           <a:p>
             <a:pPr>
-              <a:buSzPct val="45000"/>
-              <a:buFont typeface="StarSymbol"/>
-              <a:buChar char=""/>
-            </a:pPr>
-            <a:r>
-              <a:rPr lang="en-US" sz="3200">
+              <a:lnSpc>
+                <a:spcPct val="100000"/>
+              </a:lnSpc>
+              <a:buSzPct val="45000"/>
+              <a:buFont typeface="StarSymbol"/>
+              <a:buChar char="l"/>
+            </a:pPr>
+            <a:r>
+              <a:rPr lang="en-US" sz="3200" strike="noStrike">
                 <a:latin typeface="Arial"/>
               </a:rPr>
               <a:t>Href = link</a:t>
@@ -3323,12 +4852,15 @@
           </a:p>
           <a:p>
             <a:pPr>
-              <a:buSzPct val="45000"/>
-              <a:buFont typeface="StarSymbol"/>
-              <a:buChar char=""/>
-            </a:pPr>
-            <a:r>
-              <a:rPr lang="en-US" sz="3200">
+              <a:lnSpc>
+                <a:spcPct val="100000"/>
+              </a:lnSpc>
+              <a:buSzPct val="45000"/>
+              <a:buFont typeface="StarSymbol"/>
+              <a:buChar char="l"/>
+            </a:pPr>
+            <a:r>
+              <a:rPr lang="en-US" sz="3200" strike="noStrike">
                 <a:latin typeface="Arial"/>
               </a:rPr>
               <a:t>Id</a:t>
@@ -3337,12 +4869,15 @@
           </a:p>
           <a:p>
             <a:pPr>
-              <a:buSzPct val="45000"/>
-              <a:buFont typeface="StarSymbol"/>
-              <a:buChar char=""/>
-            </a:pPr>
-            <a:r>
-              <a:rPr lang="en-US" sz="3200">
+              <a:lnSpc>
+                <a:spcPct val="100000"/>
+              </a:lnSpc>
+              <a:buSzPct val="45000"/>
+              <a:buFont typeface="StarSymbol"/>
+              <a:buChar char="l"/>
+            </a:pPr>
+            <a:r>
+              <a:rPr lang="en-US" sz="3200" strike="noStrike">
                 <a:latin typeface="Arial"/>
               </a:rPr>
               <a:t>class</a:t>
@@ -3351,12 +4886,15 @@
           </a:p>
           <a:p>
             <a:pPr>
-              <a:buSzPct val="45000"/>
-              <a:buFont typeface="StarSymbol"/>
-              <a:buChar char=""/>
-            </a:pPr>
-            <a:r>
-              <a:rPr lang="en-US" sz="3200">
+              <a:lnSpc>
+                <a:spcPct val="100000"/>
+              </a:lnSpc>
+              <a:buSzPct val="45000"/>
+              <a:buFont typeface="StarSymbol"/>
+              <a:buChar char="l"/>
+            </a:pPr>
+            <a:r>
+              <a:rPr lang="en-US" sz="3200" strike="noStrike">
                 <a:latin typeface="Arial"/>
               </a:rPr>
               <a:t>Src = source</a:t>
@@ -3365,12 +4903,15 @@
           </a:p>
           <a:p>
             <a:pPr>
-              <a:buSzPct val="45000"/>
-              <a:buFont typeface="StarSymbol"/>
-              <a:buChar char=""/>
-            </a:pPr>
-            <a:r>
-              <a:rPr lang="en-US" sz="3200">
+              <a:lnSpc>
+                <a:spcPct val="100000"/>
+              </a:lnSpc>
+              <a:buSzPct val="45000"/>
+              <a:buFont typeface="StarSymbol"/>
+              <a:buChar char="l"/>
+            </a:pPr>
+            <a:r>
+              <a:rPr lang="en-US" sz="3200" strike="noStrike">
                 <a:latin typeface="Arial"/>
               </a:rPr>
               <a:t>Style</a:t>
@@ -3379,12 +4920,15 @@
           </a:p>
           <a:p>
             <a:pPr>
-              <a:buSzPct val="45000"/>
-              <a:buFont typeface="StarSymbol"/>
-              <a:buChar char=""/>
-            </a:pPr>
-            <a:r>
-              <a:rPr lang="en-US" sz="3200">
+              <a:lnSpc>
+                <a:spcPct val="100000"/>
+              </a:lnSpc>
+              <a:buSzPct val="45000"/>
+              <a:buFont typeface="StarSymbol"/>
+              <a:buChar char="l"/>
+            </a:pPr>
+            <a:r>
+              <a:rPr lang="en-US" sz="3200" strike="noStrike">
                 <a:latin typeface="Arial"/>
               </a:rPr>
               <a:t>value</a:t>
@@ -3444,14 +4988,14 @@
       </p:grpSpPr>
       <p:sp>
         <p:nvSpPr>
-          <p:cNvPr id="48" name="TextShape 1"/>
-          <p:cNvSpPr txBox="1"/>
+          <p:cNvPr id="82" name="CustomShape 1"/>
+          <p:cNvSpPr/>
           <p:nvPr/>
         </p:nvSpPr>
         <p:spPr>
           <a:xfrm>
             <a:off x="504000" y="301320"/>
-            <a:ext cx="9071640" cy="1262160"/>
+            <a:ext cx="9071280" cy="1261800"/>
           </a:xfrm>
           <a:prstGeom prst="rect">
             <a:avLst/>
@@ -3461,12 +5005,22 @@
             <a:noFill/>
           </a:ln>
         </p:spPr>
+        <p:style>
+          <a:lnRef idx="0"/>
+          <a:fillRef idx="0"/>
+          <a:effectRef idx="0"/>
+          <a:fontRef idx="minor"/>
+        </p:style>
         <p:txBody>
           <a:bodyPr lIns="0" rIns="0" tIns="0" bIns="0" anchor="ctr"/>
           <a:p>
-            <a:pPr algn="ctr"/>
-            <a:r>
-              <a:rPr lang="en-US" sz="4400">
+            <a:pPr algn="ctr">
+              <a:lnSpc>
+                <a:spcPct val="100000"/>
+              </a:lnSpc>
+            </a:pPr>
+            <a:r>
+              <a:rPr lang="en-US" sz="4400" strike="noStrike">
                 <a:latin typeface="Arial"/>
               </a:rPr>
               <a:t>What is CSS</a:t>
@@ -3477,14 +5031,14 @@
       </p:sp>
       <p:sp>
         <p:nvSpPr>
-          <p:cNvPr id="49" name="TextShape 2"/>
-          <p:cNvSpPr txBox="1"/>
+          <p:cNvPr id="83" name="CustomShape 2"/>
+          <p:cNvSpPr/>
           <p:nvPr/>
         </p:nvSpPr>
         <p:spPr>
           <a:xfrm>
             <a:off x="504000" y="1769040"/>
-            <a:ext cx="9071640" cy="4384440"/>
+            <a:ext cx="9071280" cy="4384080"/>
           </a:xfrm>
           <a:prstGeom prst="rect">
             <a:avLst/>
@@ -3494,16 +5048,25 @@
             <a:noFill/>
           </a:ln>
         </p:spPr>
+        <p:style>
+          <a:lnRef idx="0"/>
+          <a:fillRef idx="0"/>
+          <a:effectRef idx="0"/>
+          <a:fontRef idx="minor"/>
+        </p:style>
         <p:txBody>
           <a:bodyPr lIns="0" rIns="0" tIns="0" bIns="0"/>
           <a:p>
             <a:pPr>
-              <a:buSzPct val="45000"/>
-              <a:buFont typeface="StarSymbol"/>
-              <a:buChar char=""/>
-            </a:pPr>
-            <a:r>
-              <a:rPr lang="en-US" sz="3200">
+              <a:lnSpc>
+                <a:spcPct val="100000"/>
+              </a:lnSpc>
+              <a:buSzPct val="45000"/>
+              <a:buFont typeface="StarSymbol"/>
+              <a:buChar char="l"/>
+            </a:pPr>
+            <a:r>
+              <a:rPr lang="en-US" sz="3200" strike="noStrike">
                 <a:latin typeface="Arial"/>
               </a:rPr>
               <a:t>Cascading Style sheets</a:t>
@@ -3512,12 +5075,15 @@
           </a:p>
           <a:p>
             <a:pPr>
-              <a:buSzPct val="45000"/>
-              <a:buFont typeface="StarSymbol"/>
-              <a:buChar char=""/>
-            </a:pPr>
-            <a:r>
-              <a:rPr lang="en-US" sz="3200">
+              <a:lnSpc>
+                <a:spcPct val="100000"/>
+              </a:lnSpc>
+              <a:buSzPct val="45000"/>
+              <a:buFont typeface="StarSymbol"/>
+              <a:buChar char="l"/>
+            </a:pPr>
+            <a:r>
+              <a:rPr lang="en-US" sz="3200" strike="noStrike">
                 <a:latin typeface="Arial"/>
               </a:rPr>
               <a:t>Defines how HTML elements are displayed by the browser</a:t>
@@ -3526,12 +5092,15 @@
           </a:p>
           <a:p>
             <a:pPr>
-              <a:buSzPct val="45000"/>
-              <a:buFont typeface="StarSymbol"/>
-              <a:buChar char=""/>
-            </a:pPr>
-            <a:r>
-              <a:rPr lang="en-US" sz="3200">
+              <a:lnSpc>
+                <a:spcPct val="100000"/>
+              </a:lnSpc>
+              <a:buSzPct val="45000"/>
+              <a:buFont typeface="StarSymbol"/>
+              <a:buChar char="l"/>
+            </a:pPr>
+            <a:r>
+              <a:rPr lang="en-US" sz="3200" strike="noStrike">
                 <a:latin typeface="Arial"/>
               </a:rPr>
               <a:t>Uses a selector system to describe what element have certain styles</a:t>
@@ -3540,12 +5109,15 @@
           </a:p>
           <a:p>
             <a:pPr>
-              <a:buSzPct val="45000"/>
-              <a:buFont typeface="StarSymbol"/>
-              <a:buChar char=""/>
-            </a:pPr>
-            <a:r>
-              <a:rPr lang="en-US" sz="3200">
+              <a:lnSpc>
+                <a:spcPct val="100000"/>
+              </a:lnSpc>
+              <a:buSzPct val="45000"/>
+              <a:buFont typeface="StarSymbol"/>
+              <a:buChar char="l"/>
+            </a:pPr>
+            <a:r>
+              <a:rPr lang="en-US" sz="3200" strike="noStrike">
                 <a:latin typeface="Arial"/>
               </a:rPr>
               <a:t>Has a set of declarations used to describe how to styles elements</a:t>
@@ -3605,14 +5177,14 @@
       </p:grpSpPr>
       <p:sp>
         <p:nvSpPr>
-          <p:cNvPr id="50" name="TextShape 1"/>
-          <p:cNvSpPr txBox="1"/>
+          <p:cNvPr id="84" name="CustomShape 1"/>
+          <p:cNvSpPr/>
           <p:nvPr/>
         </p:nvSpPr>
         <p:spPr>
           <a:xfrm>
             <a:off x="504000" y="1769040"/>
-            <a:ext cx="9071640" cy="4384440"/>
+            <a:ext cx="9071280" cy="4384080"/>
           </a:xfrm>
           <a:prstGeom prst="rect">
             <a:avLst/>
@@ -3622,11 +5194,17 @@
             <a:noFill/>
           </a:ln>
         </p:spPr>
+        <p:style>
+          <a:lnRef idx="0"/>
+          <a:fillRef idx="0"/>
+          <a:effectRef idx="0"/>
+          <a:fontRef idx="minor"/>
+        </p:style>
         <p:txBody>
           <a:bodyPr lIns="0" rIns="0" tIns="0" bIns="0"/>
           <a:p>
             <a:r>
-              <a:rPr lang="en-US" sz="3200">
+              <a:rPr lang="en-US" sz="3200" strike="noStrike">
                 <a:latin typeface="Arial"/>
               </a:rPr>
               <a:t>P {</a:t>
@@ -3635,13 +5213,13 @@
           </a:p>
           <a:p>
             <a:r>
-              <a:rPr lang="en-US" sz="3200">
+              <a:rPr lang="en-US" sz="3200" strike="noStrike">
                 <a:latin typeface="Arial"/>
               </a:rPr>
               <a:t>    </a:t>
             </a:r>
             <a:r>
-              <a:rPr lang="en-US" sz="3200">
+              <a:rPr lang="en-US" sz="3200" strike="noStrike">
                 <a:latin typeface="Arial"/>
               </a:rPr>
               <a:t>Color: red;</a:t>
@@ -3650,13 +5228,13 @@
           </a:p>
           <a:p>
             <a:r>
-              <a:rPr lang="en-US" sz="3200">
+              <a:rPr lang="en-US" sz="3200" strike="noStrike">
                 <a:latin typeface="Arial"/>
               </a:rPr>
               <a:t>    </a:t>
             </a:r>
             <a:r>
-              <a:rPr lang="en-US" sz="3200">
+              <a:rPr lang="en-US" sz="3200" strike="noStrike">
                 <a:latin typeface="Arial"/>
               </a:rPr>
               <a:t>Font-size: 20px;</a:t>
@@ -3665,7 +5243,7 @@
           </a:p>
           <a:p>
             <a:r>
-              <a:rPr lang="en-US" sz="3200">
+              <a:rPr lang="en-US" sz="3200" strike="noStrike">
                 <a:latin typeface="Arial"/>
               </a:rPr>
               <a:t>}</a:t>
@@ -3674,7 +5252,7 @@
           </a:p>
           <a:p>
             <a:r>
-              <a:rPr lang="en-US" sz="3200">
+              <a:rPr lang="en-US" sz="3200" strike="noStrike">
                 <a:latin typeface="Arial"/>
               </a:rPr>
               <a:t>div {</a:t>
@@ -3683,13 +5261,13 @@
           </a:p>
           <a:p>
             <a:r>
-              <a:rPr lang="en-US" sz="3200">
+              <a:rPr lang="en-US" sz="3200" strike="noStrike">
                 <a:latin typeface="Arial"/>
               </a:rPr>
               <a:t>    </a:t>
             </a:r>
             <a:r>
-              <a:rPr lang="en-US" sz="3200">
+              <a:rPr lang="en-US" sz="3200" strike="noStrike">
                 <a:latin typeface="Arial"/>
               </a:rPr>
               <a:t>Margin: 20px;</a:t>
@@ -3698,13 +5276,13 @@
           </a:p>
           <a:p>
             <a:r>
-              <a:rPr lang="en-US" sz="3200">
+              <a:rPr lang="en-US" sz="3200" strike="noStrike">
                 <a:latin typeface="Arial"/>
               </a:rPr>
               <a:t>    </a:t>
             </a:r>
             <a:r>
-              <a:rPr lang="en-US" sz="3200">
+              <a:rPr lang="en-US" sz="3200" strike="noStrike">
                 <a:latin typeface="Arial"/>
               </a:rPr>
               <a:t>Height: 30px;</a:t>
@@ -3713,7 +5291,7 @@
           </a:p>
           <a:p>
             <a:r>
-              <a:rPr lang="en-US" sz="3200">
+              <a:rPr lang="en-US" sz="3200" strike="noStrike">
                 <a:latin typeface="Arial"/>
               </a:rPr>
               <a:t>}</a:t>
@@ -3773,14 +5351,14 @@
       </p:grpSpPr>
       <p:sp>
         <p:nvSpPr>
-          <p:cNvPr id="51" name="TextShape 1"/>
-          <p:cNvSpPr txBox="1"/>
+          <p:cNvPr id="85" name="CustomShape 1"/>
+          <p:cNvSpPr/>
           <p:nvPr/>
         </p:nvSpPr>
         <p:spPr>
           <a:xfrm>
             <a:off x="504000" y="301320"/>
-            <a:ext cx="9071640" cy="1262160"/>
+            <a:ext cx="9071280" cy="1261800"/>
           </a:xfrm>
           <a:prstGeom prst="rect">
             <a:avLst/>
@@ -3790,12 +5368,22 @@
             <a:noFill/>
           </a:ln>
         </p:spPr>
+        <p:style>
+          <a:lnRef idx="0"/>
+          <a:fillRef idx="0"/>
+          <a:effectRef idx="0"/>
+          <a:fontRef idx="minor"/>
+        </p:style>
         <p:txBody>
           <a:bodyPr lIns="0" rIns="0" tIns="0" bIns="0" anchor="ctr"/>
           <a:p>
-            <a:pPr algn="ctr"/>
-            <a:r>
-              <a:rPr lang="en-US" sz="4400">
+            <a:pPr algn="ctr">
+              <a:lnSpc>
+                <a:spcPct val="100000"/>
+              </a:lnSpc>
+            </a:pPr>
+            <a:r>
+              <a:rPr lang="en-US" sz="4400" strike="noStrike">
                 <a:latin typeface="Arial"/>
               </a:rPr>
               <a:t>CSS selectors</a:t>
@@ -3806,14 +5394,14 @@
       </p:sp>
       <p:sp>
         <p:nvSpPr>
-          <p:cNvPr id="52" name="TextShape 2"/>
-          <p:cNvSpPr txBox="1"/>
+          <p:cNvPr id="86" name="CustomShape 2"/>
+          <p:cNvSpPr/>
           <p:nvPr/>
         </p:nvSpPr>
         <p:spPr>
           <a:xfrm>
             <a:off x="504000" y="1769040"/>
-            <a:ext cx="9071640" cy="4384440"/>
+            <a:ext cx="9071280" cy="4384080"/>
           </a:xfrm>
           <a:prstGeom prst="rect">
             <a:avLst/>
@@ -3823,16 +5411,25 @@
             <a:noFill/>
           </a:ln>
         </p:spPr>
+        <p:style>
+          <a:lnRef idx="0"/>
+          <a:fillRef idx="0"/>
+          <a:effectRef idx="0"/>
+          <a:fontRef idx="minor"/>
+        </p:style>
         <p:txBody>
           <a:bodyPr lIns="0" rIns="0" tIns="0" bIns="0"/>
           <a:p>
             <a:pPr>
-              <a:buSzPct val="45000"/>
-              <a:buFont typeface="StarSymbol"/>
-              <a:buChar char=""/>
-            </a:pPr>
-            <a:r>
-              <a:rPr lang="en-US" sz="3200">
+              <a:lnSpc>
+                <a:spcPct val="100000"/>
+              </a:lnSpc>
+              <a:buSzPct val="45000"/>
+              <a:buFont typeface="StarSymbol"/>
+              <a:buChar char="l"/>
+            </a:pPr>
+            <a:r>
+              <a:rPr lang="en-US" sz="3200" strike="noStrike">
                 <a:latin typeface="Arial"/>
               </a:rPr>
               <a:t>P { … }</a:t>
@@ -3841,12 +5438,15 @@
           </a:p>
           <a:p>
             <a:pPr>
-              <a:buSzPct val="45000"/>
-              <a:buFont typeface="StarSymbol"/>
-              <a:buChar char=""/>
-            </a:pPr>
-            <a:r>
-              <a:rPr lang="en-US" sz="3200">
+              <a:lnSpc>
+                <a:spcPct val="100000"/>
+              </a:lnSpc>
+              <a:buSzPct val="45000"/>
+              <a:buFont typeface="StarSymbol"/>
+              <a:buChar char="l"/>
+            </a:pPr>
+            <a:r>
+              <a:rPr lang="en-US" sz="3200" strike="noStrike">
                 <a:latin typeface="Arial"/>
               </a:rPr>
               <a:t>#myElem { … }</a:t>
@@ -3855,12 +5455,15 @@
           </a:p>
           <a:p>
             <a:pPr>
-              <a:buSzPct val="45000"/>
-              <a:buFont typeface="StarSymbol"/>
-              <a:buChar char=""/>
-            </a:pPr>
-            <a:r>
-              <a:rPr lang="en-US" sz="3200">
+              <a:lnSpc>
+                <a:spcPct val="100000"/>
+              </a:lnSpc>
+              <a:buSzPct val="45000"/>
+              <a:buFont typeface="StarSymbol"/>
+              <a:buChar char="l"/>
+            </a:pPr>
+            <a:r>
+              <a:rPr lang="en-US" sz="3200" strike="noStrike">
                 <a:latin typeface="Arial"/>
               </a:rPr>
               <a:t>.myClass { … }</a:t>
@@ -3869,12 +5472,15 @@
           </a:p>
           <a:p>
             <a:pPr>
-              <a:buSzPct val="45000"/>
-              <a:buFont typeface="StarSymbol"/>
-              <a:buChar char=""/>
-            </a:pPr>
-            <a:r>
-              <a:rPr lang="en-US" sz="3200">
+              <a:lnSpc>
+                <a:spcPct val="100000"/>
+              </a:lnSpc>
+              <a:buSzPct val="45000"/>
+              <a:buFont typeface="StarSymbol"/>
+              <a:buChar char="l"/>
+            </a:pPr>
+            <a:r>
+              <a:rPr lang="en-US" sz="3200" strike="noStrike">
                 <a:latin typeface="Arial"/>
               </a:rPr>
               <a:t>P img { … }</a:t>
@@ -3883,12 +5489,15 @@
           </a:p>
           <a:p>
             <a:pPr>
-              <a:buSzPct val="45000"/>
-              <a:buFont typeface="StarSymbol"/>
-              <a:buChar char=""/>
-            </a:pPr>
-            <a:r>
-              <a:rPr lang="en-US" sz="3200">
+              <a:lnSpc>
+                <a:spcPct val="100000"/>
+              </a:lnSpc>
+              <a:buSzPct val="45000"/>
+              <a:buFont typeface="StarSymbol"/>
+              <a:buChar char="l"/>
+            </a:pPr>
+            <a:r>
+              <a:rPr lang="en-US" sz="3200" strike="noStrike">
                 <a:latin typeface="Arial"/>
               </a:rPr>
               <a:t>P &gt; span { … }</a:t>
@@ -3897,12 +5506,15 @@
           </a:p>
           <a:p>
             <a:pPr>
-              <a:buSzPct val="45000"/>
-              <a:buFont typeface="StarSymbol"/>
-              <a:buChar char=""/>
-            </a:pPr>
-            <a:r>
-              <a:rPr lang="en-US" sz="3200">
+              <a:lnSpc>
+                <a:spcPct val="100000"/>
+              </a:lnSpc>
+              <a:buSzPct val="45000"/>
+              <a:buFont typeface="StarSymbol"/>
+              <a:buChar char="l"/>
+            </a:pPr>
+            <a:r>
+              <a:rPr lang="en-US" sz="3200" strike="noStrike">
                 <a:latin typeface="Arial"/>
               </a:rPr>
               <a:t>P, span { … }</a:t>
@@ -3962,14 +5574,14 @@
       </p:grpSpPr>
       <p:sp>
         <p:nvSpPr>
-          <p:cNvPr id="53" name="TextShape 1"/>
-          <p:cNvSpPr txBox="1"/>
+          <p:cNvPr id="87" name="CustomShape 1"/>
+          <p:cNvSpPr/>
           <p:nvPr/>
         </p:nvSpPr>
         <p:spPr>
           <a:xfrm>
             <a:off x="504000" y="301320"/>
-            <a:ext cx="9071640" cy="1262160"/>
+            <a:ext cx="9071280" cy="1261800"/>
           </a:xfrm>
           <a:prstGeom prst="rect">
             <a:avLst/>
@@ -3979,12 +5591,22 @@
             <a:noFill/>
           </a:ln>
         </p:spPr>
+        <p:style>
+          <a:lnRef idx="0"/>
+          <a:fillRef idx="0"/>
+          <a:effectRef idx="0"/>
+          <a:fontRef idx="minor"/>
+        </p:style>
         <p:txBody>
           <a:bodyPr lIns="0" rIns="0" tIns="0" bIns="0" anchor="ctr"/>
           <a:p>
-            <a:pPr algn="ctr"/>
-            <a:r>
-              <a:rPr lang="en-US" sz="4400">
+            <a:pPr algn="ctr">
+              <a:lnSpc>
+                <a:spcPct val="100000"/>
+              </a:lnSpc>
+            </a:pPr>
+            <a:r>
+              <a:rPr lang="en-US" sz="4400" strike="noStrike">
                 <a:latin typeface="Arial"/>
               </a:rPr>
               <a:t>CSS Declarations</a:t>
@@ -3995,14 +5617,14 @@
       </p:sp>
       <p:sp>
         <p:nvSpPr>
-          <p:cNvPr id="54" name="TextShape 2"/>
-          <p:cNvSpPr txBox="1"/>
+          <p:cNvPr id="88" name="CustomShape 2"/>
+          <p:cNvSpPr/>
           <p:nvPr/>
         </p:nvSpPr>
         <p:spPr>
           <a:xfrm>
             <a:off x="504000" y="1769040"/>
-            <a:ext cx="9071640" cy="4384440"/>
+            <a:ext cx="9071280" cy="4384080"/>
           </a:xfrm>
           <a:prstGeom prst="rect">
             <a:avLst/>
@@ -4012,16 +5634,25 @@
             <a:noFill/>
           </a:ln>
         </p:spPr>
+        <p:style>
+          <a:lnRef idx="0"/>
+          <a:fillRef idx="0"/>
+          <a:effectRef idx="0"/>
+          <a:fontRef idx="minor"/>
+        </p:style>
         <p:txBody>
           <a:bodyPr lIns="0" rIns="0" tIns="0" bIns="0"/>
           <a:p>
             <a:pPr>
-              <a:buSzPct val="45000"/>
-              <a:buFont typeface="StarSymbol"/>
-              <a:buChar char=""/>
-            </a:pPr>
-            <a:r>
-              <a:rPr lang="en-US" sz="3200">
+              <a:lnSpc>
+                <a:spcPct val="100000"/>
+              </a:lnSpc>
+              <a:buSzPct val="45000"/>
+              <a:buFont typeface="StarSymbol"/>
+              <a:buChar char="l"/>
+            </a:pPr>
+            <a:r>
+              <a:rPr lang="en-US" sz="3200" strike="noStrike">
                 <a:latin typeface="Arial"/>
               </a:rPr>
               <a:t>Color</a:t>
@@ -4030,12 +5661,15 @@
           </a:p>
           <a:p>
             <a:pPr>
-              <a:buSzPct val="45000"/>
-              <a:buFont typeface="StarSymbol"/>
-              <a:buChar char=""/>
-            </a:pPr>
-            <a:r>
-              <a:rPr lang="en-US" sz="3200">
+              <a:lnSpc>
+                <a:spcPct val="100000"/>
+              </a:lnSpc>
+              <a:buSzPct val="45000"/>
+              <a:buFont typeface="StarSymbol"/>
+              <a:buChar char="l"/>
+            </a:pPr>
+            <a:r>
+              <a:rPr lang="en-US" sz="3200" strike="noStrike">
                 <a:latin typeface="Arial"/>
               </a:rPr>
               <a:t>Font-size</a:t>
@@ -4044,12 +5678,15 @@
           </a:p>
           <a:p>
             <a:pPr>
-              <a:buSzPct val="45000"/>
-              <a:buFont typeface="StarSymbol"/>
-              <a:buChar char=""/>
-            </a:pPr>
-            <a:r>
-              <a:rPr lang="en-US" sz="3200">
+              <a:lnSpc>
+                <a:spcPct val="100000"/>
+              </a:lnSpc>
+              <a:buSzPct val="45000"/>
+              <a:buFont typeface="StarSymbol"/>
+              <a:buChar char="l"/>
+            </a:pPr>
+            <a:r>
+              <a:rPr lang="en-US" sz="3200" strike="noStrike">
                 <a:latin typeface="Arial"/>
               </a:rPr>
               <a:t>Height, width</a:t>
@@ -4058,12 +5695,15 @@
           </a:p>
           <a:p>
             <a:pPr>
-              <a:buSzPct val="45000"/>
-              <a:buFont typeface="StarSymbol"/>
-              <a:buChar char=""/>
-            </a:pPr>
-            <a:r>
-              <a:rPr lang="en-US" sz="3200">
+              <a:lnSpc>
+                <a:spcPct val="100000"/>
+              </a:lnSpc>
+              <a:buSzPct val="45000"/>
+              <a:buFont typeface="StarSymbol"/>
+              <a:buChar char="l"/>
+            </a:pPr>
+            <a:r>
+              <a:rPr lang="en-US" sz="3200" strike="noStrike">
                 <a:latin typeface="Arial"/>
               </a:rPr>
               <a:t>Padding, margin</a:t>
@@ -4072,12 +5712,15 @@
           </a:p>
           <a:p>
             <a:pPr>
-              <a:buSzPct val="45000"/>
-              <a:buFont typeface="StarSymbol"/>
-              <a:buChar char=""/>
-            </a:pPr>
-            <a:r>
-              <a:rPr lang="en-US" sz="3200">
+              <a:lnSpc>
+                <a:spcPct val="100000"/>
+              </a:lnSpc>
+              <a:buSzPct val="45000"/>
+              <a:buFont typeface="StarSymbol"/>
+              <a:buChar char="l"/>
+            </a:pPr>
+            <a:r>
+              <a:rPr lang="en-US" sz="3200" strike="noStrike">
                 <a:latin typeface="Arial"/>
               </a:rPr>
               <a:t>Display</a:t>
@@ -4086,12 +5729,15 @@
           </a:p>
           <a:p>
             <a:pPr>
-              <a:buSzPct val="45000"/>
-              <a:buFont typeface="StarSymbol"/>
-              <a:buChar char=""/>
-            </a:pPr>
-            <a:r>
-              <a:rPr lang="en-US" sz="3200">
+              <a:lnSpc>
+                <a:spcPct val="100000"/>
+              </a:lnSpc>
+              <a:buSzPct val="45000"/>
+              <a:buFont typeface="StarSymbol"/>
+              <a:buChar char="l"/>
+            </a:pPr>
+            <a:r>
+              <a:rPr lang="en-US" sz="3200" strike="noStrike">
                 <a:latin typeface="Arial"/>
               </a:rPr>
               <a:t>Text-align</a:t>
@@ -4100,12 +5746,15 @@
           </a:p>
           <a:p>
             <a:pPr>
-              <a:buSzPct val="45000"/>
-              <a:buFont typeface="StarSymbol"/>
-              <a:buChar char=""/>
-            </a:pPr>
-            <a:r>
-              <a:rPr lang="en-US" sz="3200">
+              <a:lnSpc>
+                <a:spcPct val="100000"/>
+              </a:lnSpc>
+              <a:buSzPct val="45000"/>
+              <a:buFont typeface="StarSymbol"/>
+              <a:buChar char="l"/>
+            </a:pPr>
+            <a:r>
+              <a:rPr lang="en-US" sz="3200" strike="noStrike">
                 <a:latin typeface="Arial"/>
               </a:rPr>
               <a:t>Many more!</a:t>
@@ -4367,4 +6016,227 @@
     </a:fmtScheme>
   </a:themeElements>
 </a:theme>
+</file>
+
+<file path=ppt/theme/theme2.xml><?xml version="1.0" encoding="utf-8"?>
+<a:theme xmlns:a="http://schemas.openxmlformats.org/drawingml/2006/main" name="Office Theme">
+  <a:themeElements>
+    <a:clrScheme name="Office">
+      <a:dk1>
+        <a:sysClr val="windowText" lastClr="000000"/>
+      </a:dk1>
+      <a:lt1>
+        <a:sysClr val="window" lastClr="FFFFFF"/>
+      </a:lt1>
+      <a:dk2>
+        <a:srgbClr val="1F497D"/>
+      </a:dk2>
+      <a:lt2>
+        <a:srgbClr val="EEECE1"/>
+      </a:lt2>
+      <a:accent1>
+        <a:srgbClr val="4F81BD"/>
+      </a:accent1>
+      <a:accent2>
+        <a:srgbClr val="C0504D"/>
+      </a:accent2>
+      <a:accent3>
+        <a:srgbClr val="9BBB59"/>
+      </a:accent3>
+      <a:accent4>
+        <a:srgbClr val="8064A2"/>
+      </a:accent4>
+      <a:accent5>
+        <a:srgbClr val="4BACC6"/>
+      </a:accent5>
+      <a:accent6>
+        <a:srgbClr val="F79646"/>
+      </a:accent6>
+      <a:hlink>
+        <a:srgbClr val="0000FF"/>
+      </a:hlink>
+      <a:folHlink>
+        <a:srgbClr val="800080"/>
+      </a:folHlink>
+    </a:clrScheme>
+    <a:fontScheme name="Office">
+      <a:majorFont>
+        <a:latin typeface="Arial"/>
+        <a:ea typeface="DejaVu Sans"/>
+        <a:cs typeface="DejaVu Sans"/>
+      </a:majorFont>
+      <a:minorFont>
+        <a:latin typeface="Arial"/>
+        <a:ea typeface="DejaVu Sans"/>
+        <a:cs typeface="DejaVu Sans"/>
+      </a:minorFont>
+    </a:fontScheme>
+    <a:fmtScheme name="Office">
+      <a:fillStyleLst>
+        <a:solidFill>
+          <a:schemeClr val="phClr"/>
+        </a:solidFill>
+        <a:gradFill rotWithShape="1">
+          <a:gsLst>
+            <a:gs pos="0">
+              <a:schemeClr val="phClr">
+                <a:tint val="50000"/>
+                <a:satMod val="300000"/>
+              </a:schemeClr>
+            </a:gs>
+            <a:gs pos="35000">
+              <a:schemeClr val="phClr">
+                <a:tint val="37000"/>
+                <a:satMod val="300000"/>
+              </a:schemeClr>
+            </a:gs>
+            <a:gs pos="100000">
+              <a:schemeClr val="phClr">
+                <a:tint val="15000"/>
+                <a:satMod val="350000"/>
+              </a:schemeClr>
+            </a:gs>
+          </a:gsLst>
+          <a:lin ang="16200000" scaled="1"/>
+        </a:gradFill>
+        <a:gradFill rotWithShape="1">
+          <a:gsLst>
+            <a:gs pos="0">
+              <a:schemeClr val="phClr">
+                <a:shade val="51000"/>
+                <a:satMod val="130000"/>
+              </a:schemeClr>
+            </a:gs>
+            <a:gs pos="80000">
+              <a:schemeClr val="phClr">
+                <a:shade val="93000"/>
+                <a:satMod val="130000"/>
+              </a:schemeClr>
+            </a:gs>
+            <a:gs pos="100000">
+              <a:schemeClr val="phClr">
+                <a:shade val="94000"/>
+                <a:satMod val="135000"/>
+              </a:schemeClr>
+            </a:gs>
+          </a:gsLst>
+          <a:lin ang="16200000" scaled="0"/>
+        </a:gradFill>
+      </a:fillStyleLst>
+      <a:lnStyleLst>
+        <a:ln w="9525" cap="flat" cmpd="sng" algn="ctr">
+          <a:solidFill>
+            <a:schemeClr val="phClr">
+              <a:shade val="95000"/>
+              <a:satMod val="105000"/>
+            </a:schemeClr>
+          </a:solidFill>
+          <a:prstDash val="solid"/>
+        </a:ln>
+        <a:ln w="25400" cap="flat" cmpd="sng" algn="ctr">
+          <a:solidFill>
+            <a:schemeClr val="phClr"/>
+          </a:solidFill>
+          <a:prstDash val="solid"/>
+        </a:ln>
+        <a:ln w="38100" cap="flat" cmpd="sng" algn="ctr">
+          <a:solidFill>
+            <a:schemeClr val="phClr"/>
+          </a:solidFill>
+          <a:prstDash val="solid"/>
+        </a:ln>
+      </a:lnStyleLst>
+      <a:effectStyleLst>
+        <a:effectStyle>
+          <a:effectLst>
+            <a:outerShdw blurRad="40000" dist="20000" dir="5400000" rotWithShape="0">
+              <a:srgbClr val="000000">
+                <a:alpha val="38000"/>
+              </a:srgbClr>
+            </a:outerShdw>
+          </a:effectLst>
+        </a:effectStyle>
+        <a:effectStyle>
+          <a:effectLst>
+            <a:outerShdw blurRad="40000" dist="23000" dir="5400000" rotWithShape="0">
+              <a:srgbClr val="000000">
+                <a:alpha val="35000"/>
+              </a:srgbClr>
+            </a:outerShdw>
+          </a:effectLst>
+        </a:effectStyle>
+        <a:effectStyle>
+          <a:effectLst>
+            <a:outerShdw blurRad="40000" dist="23000" dir="5400000" rotWithShape="0">
+              <a:srgbClr val="000000">
+                <a:alpha val="35000"/>
+              </a:srgbClr>
+            </a:outerShdw>
+          </a:effectLst>
+          <a:scene3d>
+            <a:camera prst="orthographicFront">
+              <a:rot lat="0" lon="0" rev="0"/>
+            </a:camera>
+            <a:lightRig rig="threePt" dir="t">
+              <a:rot lat="0" lon="0" rev="1200000"/>
+            </a:lightRig>
+          </a:scene3d>
+          <a:sp3d>
+            <a:bevelT w="63500" h="25400"/>
+          </a:sp3d>
+        </a:effectStyle>
+      </a:effectStyleLst>
+      <a:bgFillStyleLst>
+        <a:solidFill>
+          <a:schemeClr val="phClr"/>
+        </a:solidFill>
+        <a:gradFill rotWithShape="1">
+          <a:gsLst>
+            <a:gs pos="0">
+              <a:schemeClr val="phClr">
+                <a:tint val="40000"/>
+                <a:satMod val="350000"/>
+              </a:schemeClr>
+            </a:gs>
+            <a:gs pos="40000">
+              <a:schemeClr val="phClr">
+                <a:tint val="45000"/>
+                <a:shade val="99000"/>
+                <a:satMod val="350000"/>
+              </a:schemeClr>
+            </a:gs>
+            <a:gs pos="100000">
+              <a:schemeClr val="phClr">
+                <a:shade val="20000"/>
+                <a:satMod val="255000"/>
+              </a:schemeClr>
+            </a:gs>
+          </a:gsLst>
+          <a:path path="circle">
+            <a:fillToRect l="50000" t="-80000" r="50000" b="180000"/>
+          </a:path>
+        </a:gradFill>
+        <a:gradFill rotWithShape="1">
+          <a:gsLst>
+            <a:gs pos="0">
+              <a:schemeClr val="phClr">
+                <a:tint val="80000"/>
+                <a:satMod val="300000"/>
+              </a:schemeClr>
+            </a:gs>
+            <a:gs pos="100000">
+              <a:schemeClr val="phClr">
+                <a:shade val="30000"/>
+                <a:satMod val="200000"/>
+              </a:schemeClr>
+            </a:gs>
+          </a:gsLst>
+          <a:path path="circle">
+            <a:fillToRect l="50000" t="50000" r="50000" b="50000"/>
+          </a:path>
+        </a:gradFill>
+      </a:bgFillStyleLst>
+    </a:fmtScheme>
+  </a:themeElements>
+</a:theme>
 </file>